--- a/docs/images/images.pptx
+++ b/docs/images/images.pptx
@@ -5,10 +5,12 @@
     <p:sldMasterId id="2147483648" r:id="rId1"/>
   </p:sldMasterIdLst>
   <p:notesMasterIdLst>
-    <p:notesMasterId r:id="rId3"/>
+    <p:notesMasterId r:id="rId5"/>
   </p:notesMasterIdLst>
   <p:sldIdLst>
     <p:sldId id="256" r:id="rId2"/>
+    <p:sldId id="257" r:id="rId3"/>
+    <p:sldId id="258" r:id="rId4"/>
   </p:sldIdLst>
   <p:sldSz cx="12192000" cy="6858000"/>
   <p:notesSz cx="6858000" cy="9144000"/>
@@ -107,6 +109,11 @@
       </a:defRPr>
     </a:lvl9pPr>
   </p:defaultTextStyle>
+  <p:extLst>
+    <p:ext uri="{EFAFB233-063F-42B5-8137-9DF3F51BA10A}">
+      <p15:sldGuideLst xmlns:p15="http://schemas.microsoft.com/office/powerpoint/2012/main"/>
+    </p:ext>
+  </p:extLst>
 </p:presentation>
 </file>
 
@@ -192,7 +199,7 @@
           <a:p>
             <a:fld id="{FCF1A461-A2BE-0C4E-8679-A0B23C3BCC5C}" type="datetimeFigureOut">
               <a:rPr lang="en-US" smtClean="0"/>
-              <a:t>9/8/17</a:t>
+              <a:t>9/25/17</a:t>
             </a:fld>
             <a:endParaRPr lang="en-US"/>
           </a:p>
@@ -591,7 +598,7 @@
           <a:p>
             <a:fld id="{627AC20C-FA84-1849-BDDE-054106A42D1D}" type="datetimeFigureOut">
               <a:rPr lang="en-US" smtClean="0"/>
-              <a:t>9/8/17</a:t>
+              <a:t>9/25/17</a:t>
             </a:fld>
             <a:endParaRPr lang="en-US"/>
           </a:p>
@@ -761,7 +768,7 @@
           <a:p>
             <a:fld id="{627AC20C-FA84-1849-BDDE-054106A42D1D}" type="datetimeFigureOut">
               <a:rPr lang="en-US" smtClean="0"/>
-              <a:t>9/8/17</a:t>
+              <a:t>9/25/17</a:t>
             </a:fld>
             <a:endParaRPr lang="en-US"/>
           </a:p>
@@ -941,7 +948,7 @@
           <a:p>
             <a:fld id="{627AC20C-FA84-1849-BDDE-054106A42D1D}" type="datetimeFigureOut">
               <a:rPr lang="en-US" smtClean="0"/>
-              <a:t>9/8/17</a:t>
+              <a:t>9/25/17</a:t>
             </a:fld>
             <a:endParaRPr lang="en-US"/>
           </a:p>
@@ -1111,7 +1118,7 @@
           <a:p>
             <a:fld id="{627AC20C-FA84-1849-BDDE-054106A42D1D}" type="datetimeFigureOut">
               <a:rPr lang="en-US" smtClean="0"/>
-              <a:t>9/8/17</a:t>
+              <a:t>9/25/17</a:t>
             </a:fld>
             <a:endParaRPr lang="en-US"/>
           </a:p>
@@ -1357,7 +1364,7 @@
           <a:p>
             <a:fld id="{627AC20C-FA84-1849-BDDE-054106A42D1D}" type="datetimeFigureOut">
               <a:rPr lang="en-US" smtClean="0"/>
-              <a:t>9/8/17</a:t>
+              <a:t>9/25/17</a:t>
             </a:fld>
             <a:endParaRPr lang="en-US"/>
           </a:p>
@@ -1589,7 +1596,7 @@
           <a:p>
             <a:fld id="{627AC20C-FA84-1849-BDDE-054106A42D1D}" type="datetimeFigureOut">
               <a:rPr lang="en-US" smtClean="0"/>
-              <a:t>9/8/17</a:t>
+              <a:t>9/25/17</a:t>
             </a:fld>
             <a:endParaRPr lang="en-US"/>
           </a:p>
@@ -1956,7 +1963,7 @@
           <a:p>
             <a:fld id="{627AC20C-FA84-1849-BDDE-054106A42D1D}" type="datetimeFigureOut">
               <a:rPr lang="en-US" smtClean="0"/>
-              <a:t>9/8/17</a:t>
+              <a:t>9/25/17</a:t>
             </a:fld>
             <a:endParaRPr lang="en-US"/>
           </a:p>
@@ -2074,7 +2081,7 @@
           <a:p>
             <a:fld id="{627AC20C-FA84-1849-BDDE-054106A42D1D}" type="datetimeFigureOut">
               <a:rPr lang="en-US" smtClean="0"/>
-              <a:t>9/8/17</a:t>
+              <a:t>9/25/17</a:t>
             </a:fld>
             <a:endParaRPr lang="en-US"/>
           </a:p>
@@ -2169,7 +2176,7 @@
           <a:p>
             <a:fld id="{627AC20C-FA84-1849-BDDE-054106A42D1D}" type="datetimeFigureOut">
               <a:rPr lang="en-US" smtClean="0"/>
-              <a:t>9/8/17</a:t>
+              <a:t>9/25/17</a:t>
             </a:fld>
             <a:endParaRPr lang="en-US"/>
           </a:p>
@@ -2446,7 +2453,7 @@
           <a:p>
             <a:fld id="{627AC20C-FA84-1849-BDDE-054106A42D1D}" type="datetimeFigureOut">
               <a:rPr lang="en-US" smtClean="0"/>
-              <a:t>9/8/17</a:t>
+              <a:t>9/25/17</a:t>
             </a:fld>
             <a:endParaRPr lang="en-US"/>
           </a:p>
@@ -2699,7 +2706,7 @@
           <a:p>
             <a:fld id="{627AC20C-FA84-1849-BDDE-054106A42D1D}" type="datetimeFigureOut">
               <a:rPr lang="en-US" smtClean="0"/>
-              <a:t>9/8/17</a:t>
+              <a:t>9/25/17</a:t>
             </a:fld>
             <a:endParaRPr lang="en-US"/>
           </a:p>
@@ -2912,7 +2919,7 @@
           <a:p>
             <a:fld id="{627AC20C-FA84-1849-BDDE-054106A42D1D}" type="datetimeFigureOut">
               <a:rPr lang="en-US" smtClean="0"/>
-              <a:t>9/8/17</a:t>
+              <a:t>9/25/17</a:t>
             </a:fld>
             <a:endParaRPr lang="en-US"/>
           </a:p>
@@ -4782,6 +4789,4207 @@
     <p:extLst>
       <p:ext uri="{BB962C8B-B14F-4D97-AF65-F5344CB8AC3E}">
         <p14:creationId xmlns:p14="http://schemas.microsoft.com/office/powerpoint/2010/main" val="535407476"/>
+      </p:ext>
+    </p:extLst>
+  </p:cSld>
+  <p:clrMapOvr>
+    <a:masterClrMapping/>
+  </p:clrMapOvr>
+</p:sld>
+</file>
+
+<file path=ppt/slides/slide2.xml><?xml version="1.0" encoding="utf-8"?>
+<p:sld xmlns:a="http://schemas.openxmlformats.org/drawingml/2006/main" xmlns:r="http://schemas.openxmlformats.org/officeDocument/2006/relationships" xmlns:p="http://schemas.openxmlformats.org/presentationml/2006/main">
+  <p:cSld>
+    <p:spTree>
+      <p:nvGrpSpPr>
+        <p:cNvPr id="1" name=""/>
+        <p:cNvGrpSpPr/>
+        <p:nvPr/>
+      </p:nvGrpSpPr>
+      <p:grpSpPr>
+        <a:xfrm>
+          <a:off x="0" y="0"/>
+          <a:ext cx="0" cy="0"/>
+          <a:chOff x="0" y="0"/>
+          <a:chExt cx="0" cy="0"/>
+        </a:xfrm>
+      </p:grpSpPr>
+      <p:sp>
+        <p:nvSpPr>
+          <p:cNvPr id="14" name="TextBox 13"/>
+          <p:cNvSpPr txBox="1"/>
+          <p:nvPr/>
+        </p:nvSpPr>
+        <p:spPr>
+          <a:xfrm>
+            <a:off x="1141418" y="1016912"/>
+            <a:ext cx="797014" cy="461665"/>
+          </a:xfrm>
+          <a:prstGeom prst="rect">
+            <a:avLst/>
+          </a:prstGeom>
+          <a:noFill/>
+        </p:spPr>
+        <p:txBody>
+          <a:bodyPr wrap="none" rtlCol="0">
+            <a:spAutoFit/>
+          </a:bodyPr>
+          <a:lstStyle/>
+          <a:p>
+            <a:pPr algn="ctr"/>
+            <a:r>
+              <a:rPr lang="en-US" sz="2400" smtClean="0">
+                <a:latin typeface="Kalam" charset="0"/>
+                <a:ea typeface="Kalam" charset="0"/>
+                <a:cs typeface="Kalam" charset="0"/>
+              </a:rPr>
+              <a:t>Code</a:t>
+            </a:r>
+            <a:endParaRPr lang="en-US" sz="2400" dirty="0">
+              <a:latin typeface="Kalam" charset="0"/>
+              <a:ea typeface="Kalam" charset="0"/>
+              <a:cs typeface="Kalam" charset="0"/>
+            </a:endParaRPr>
+          </a:p>
+        </p:txBody>
+      </p:sp>
+      <p:pic>
+        <p:nvPicPr>
+          <p:cNvPr id="26" name="Picture 25"/>
+          <p:cNvPicPr>
+            <a:picLocks noChangeAspect="1"/>
+          </p:cNvPicPr>
+          <p:nvPr/>
+        </p:nvPicPr>
+        <p:blipFill>
+          <a:blip r:embed="rId2">
+            <a:duotone>
+              <a:schemeClr val="accent2">
+                <a:shade val="45000"/>
+                <a:satMod val="135000"/>
+              </a:schemeClr>
+              <a:prstClr val="white"/>
+            </a:duotone>
+          </a:blip>
+          <a:stretch>
+            <a:fillRect/>
+          </a:stretch>
+        </p:blipFill>
+        <p:spPr>
+          <a:xfrm>
+            <a:off x="4226954" y="3088849"/>
+            <a:ext cx="384884" cy="363097"/>
+          </a:xfrm>
+          <a:prstGeom prst="rect">
+            <a:avLst/>
+          </a:prstGeom>
+        </p:spPr>
+      </p:pic>
+      <p:pic>
+        <p:nvPicPr>
+          <p:cNvPr id="27" name="Picture 26"/>
+          <p:cNvPicPr>
+            <a:picLocks noChangeAspect="1"/>
+          </p:cNvPicPr>
+          <p:nvPr/>
+        </p:nvPicPr>
+        <p:blipFill>
+          <a:blip r:embed="rId2">
+            <a:duotone>
+              <a:schemeClr val="accent3">
+                <a:shade val="45000"/>
+                <a:satMod val="135000"/>
+              </a:schemeClr>
+              <a:prstClr val="white"/>
+            </a:duotone>
+          </a:blip>
+          <a:stretch>
+            <a:fillRect/>
+          </a:stretch>
+        </p:blipFill>
+        <p:spPr>
+          <a:xfrm>
+            <a:off x="8461523" y="931535"/>
+            <a:ext cx="759033" cy="716067"/>
+          </a:xfrm>
+          <a:prstGeom prst="rect">
+            <a:avLst/>
+          </a:prstGeom>
+        </p:spPr>
+      </p:pic>
+      <p:pic>
+        <p:nvPicPr>
+          <p:cNvPr id="28" name="Picture 27"/>
+          <p:cNvPicPr>
+            <a:picLocks noChangeAspect="1"/>
+          </p:cNvPicPr>
+          <p:nvPr/>
+        </p:nvPicPr>
+        <p:blipFill>
+          <a:blip r:embed="rId2">
+            <a:duotone>
+              <a:schemeClr val="accent6">
+                <a:shade val="45000"/>
+                <a:satMod val="135000"/>
+              </a:schemeClr>
+              <a:prstClr val="white"/>
+            </a:duotone>
+          </a:blip>
+          <a:stretch>
+            <a:fillRect/>
+          </a:stretch>
+        </p:blipFill>
+        <p:spPr>
+          <a:xfrm>
+            <a:off x="7514403" y="2353784"/>
+            <a:ext cx="790049" cy="745327"/>
+          </a:xfrm>
+          <a:prstGeom prst="rect">
+            <a:avLst/>
+          </a:prstGeom>
+        </p:spPr>
+      </p:pic>
+      <p:pic>
+        <p:nvPicPr>
+          <p:cNvPr id="29" name="Picture 28"/>
+          <p:cNvPicPr>
+            <a:picLocks/>
+          </p:cNvPicPr>
+          <p:nvPr/>
+        </p:nvPicPr>
+        <p:blipFill>
+          <a:blip r:embed="rId3">
+            <a:extLst>
+              <a:ext uri="{28A0092B-C50C-407E-A947-70E740481C1C}">
+                <a14:useLocalDpi xmlns:a14="http://schemas.microsoft.com/office/drawing/2010/main" val="0"/>
+              </a:ext>
+            </a:extLst>
+          </a:blip>
+          <a:stretch>
+            <a:fillRect/>
+          </a:stretch>
+        </p:blipFill>
+        <p:spPr>
+          <a:xfrm rot="770559">
+            <a:off x="4584753" y="3118424"/>
+            <a:ext cx="288000" cy="194492"/>
+          </a:xfrm>
+          <a:prstGeom prst="rect">
+            <a:avLst/>
+          </a:prstGeom>
+        </p:spPr>
+      </p:pic>
+      <p:pic>
+        <p:nvPicPr>
+          <p:cNvPr id="30" name="Picture 29"/>
+          <p:cNvPicPr>
+            <a:picLocks noChangeAspect="1"/>
+          </p:cNvPicPr>
+          <p:nvPr/>
+        </p:nvPicPr>
+        <p:blipFill>
+          <a:blip r:embed="rId4">
+            <a:duotone>
+              <a:schemeClr val="accent1">
+                <a:shade val="45000"/>
+                <a:satMod val="135000"/>
+              </a:schemeClr>
+              <a:prstClr val="white"/>
+            </a:duotone>
+            <a:extLst>
+              <a:ext uri="{28A0092B-C50C-407E-A947-70E740481C1C}">
+                <a14:useLocalDpi xmlns:a14="http://schemas.microsoft.com/office/drawing/2010/main" val="0"/>
+              </a:ext>
+            </a:extLst>
+          </a:blip>
+          <a:stretch>
+            <a:fillRect/>
+          </a:stretch>
+        </p:blipFill>
+        <p:spPr>
+          <a:xfrm>
+            <a:off x="932666" y="840073"/>
+            <a:ext cx="1214518" cy="815342"/>
+          </a:xfrm>
+          <a:prstGeom prst="rect">
+            <a:avLst/>
+          </a:prstGeom>
+        </p:spPr>
+      </p:pic>
+      <p:pic>
+        <p:nvPicPr>
+          <p:cNvPr id="31" name="Picture 30"/>
+          <p:cNvPicPr>
+            <a:picLocks noChangeAspect="1"/>
+          </p:cNvPicPr>
+          <p:nvPr/>
+        </p:nvPicPr>
+        <p:blipFill>
+          <a:blip r:embed="rId4">
+            <a:duotone>
+              <a:schemeClr val="accent4">
+                <a:shade val="45000"/>
+                <a:satMod val="135000"/>
+              </a:schemeClr>
+              <a:prstClr val="white"/>
+            </a:duotone>
+            <a:extLst>
+              <a:ext uri="{28A0092B-C50C-407E-A947-70E740481C1C}">
+                <a14:useLocalDpi xmlns:a14="http://schemas.microsoft.com/office/drawing/2010/main" val="0"/>
+              </a:ext>
+            </a:extLst>
+          </a:blip>
+          <a:stretch>
+            <a:fillRect/>
+          </a:stretch>
+        </p:blipFill>
+        <p:spPr>
+          <a:xfrm>
+            <a:off x="4790895" y="2768020"/>
+            <a:ext cx="1214518" cy="815342"/>
+          </a:xfrm>
+          <a:prstGeom prst="rect">
+            <a:avLst/>
+          </a:prstGeom>
+        </p:spPr>
+      </p:pic>
+      <p:pic>
+        <p:nvPicPr>
+          <p:cNvPr id="32" name="Picture 31"/>
+          <p:cNvPicPr>
+            <a:picLocks noChangeAspect="1"/>
+          </p:cNvPicPr>
+          <p:nvPr/>
+        </p:nvPicPr>
+        <p:blipFill>
+          <a:blip r:embed="rId4">
+            <a:duotone>
+              <a:schemeClr val="accent6">
+                <a:shade val="45000"/>
+                <a:satMod val="135000"/>
+              </a:schemeClr>
+              <a:prstClr val="white"/>
+            </a:duotone>
+            <a:extLst>
+              <a:ext uri="{28A0092B-C50C-407E-A947-70E740481C1C}">
+                <a14:useLocalDpi xmlns:a14="http://schemas.microsoft.com/office/drawing/2010/main" val="0"/>
+              </a:ext>
+            </a:extLst>
+          </a:blip>
+          <a:stretch>
+            <a:fillRect/>
+          </a:stretch>
+        </p:blipFill>
+        <p:spPr>
+          <a:xfrm>
+            <a:off x="5479416" y="840073"/>
+            <a:ext cx="1214518" cy="815342"/>
+          </a:xfrm>
+          <a:prstGeom prst="rect">
+            <a:avLst/>
+          </a:prstGeom>
+        </p:spPr>
+      </p:pic>
+      <p:sp>
+        <p:nvSpPr>
+          <p:cNvPr id="35" name="TextBox 34"/>
+          <p:cNvSpPr txBox="1"/>
+          <p:nvPr/>
+        </p:nvSpPr>
+        <p:spPr>
+          <a:xfrm>
+            <a:off x="4831930" y="2956091"/>
+            <a:ext cx="1064715" cy="461665"/>
+          </a:xfrm>
+          <a:prstGeom prst="rect">
+            <a:avLst/>
+          </a:prstGeom>
+          <a:noFill/>
+        </p:spPr>
+        <p:txBody>
+          <a:bodyPr wrap="none" rtlCol="0">
+            <a:spAutoFit/>
+          </a:bodyPr>
+          <a:lstStyle/>
+          <a:p>
+            <a:r>
+              <a:rPr lang="en-US" sz="2400" dirty="0" smtClean="0">
+                <a:latin typeface="Kalam" charset="0"/>
+                <a:ea typeface="Kalam" charset="0"/>
+                <a:cs typeface="Kalam" charset="0"/>
+              </a:rPr>
+              <a:t>Service</a:t>
+            </a:r>
+            <a:endParaRPr lang="en-US" sz="2400" dirty="0">
+              <a:latin typeface="Kalam" charset="0"/>
+              <a:ea typeface="Kalam" charset="0"/>
+              <a:cs typeface="Kalam" charset="0"/>
+            </a:endParaRPr>
+          </a:p>
+        </p:txBody>
+      </p:sp>
+      <p:sp>
+        <p:nvSpPr>
+          <p:cNvPr id="36" name="TextBox 35"/>
+          <p:cNvSpPr txBox="1"/>
+          <p:nvPr/>
+        </p:nvSpPr>
+        <p:spPr>
+          <a:xfrm>
+            <a:off x="5610381" y="1006323"/>
+            <a:ext cx="968535" cy="461665"/>
+          </a:xfrm>
+          <a:prstGeom prst="rect">
+            <a:avLst/>
+          </a:prstGeom>
+          <a:noFill/>
+        </p:spPr>
+        <p:txBody>
+          <a:bodyPr wrap="none" rtlCol="0">
+            <a:spAutoFit/>
+          </a:bodyPr>
+          <a:lstStyle/>
+          <a:p>
+            <a:pPr algn="ctr"/>
+            <a:r>
+              <a:rPr lang="en-US" sz="2400" smtClean="0">
+                <a:latin typeface="Kalam" charset="0"/>
+                <a:ea typeface="Kalam" charset="0"/>
+                <a:cs typeface="Kalam" charset="0"/>
+              </a:rPr>
+              <a:t>Image</a:t>
+            </a:r>
+            <a:endParaRPr lang="en-US" sz="2400" dirty="0">
+              <a:latin typeface="Kalam" charset="0"/>
+              <a:ea typeface="Kalam" charset="0"/>
+              <a:cs typeface="Kalam" charset="0"/>
+            </a:endParaRPr>
+          </a:p>
+        </p:txBody>
+      </p:sp>
+      <p:pic>
+        <p:nvPicPr>
+          <p:cNvPr id="38" name="Picture 37"/>
+          <p:cNvPicPr>
+            <a:picLocks noChangeAspect="1"/>
+          </p:cNvPicPr>
+          <p:nvPr/>
+        </p:nvPicPr>
+        <p:blipFill>
+          <a:blip r:embed="rId5">
+            <a:duotone>
+              <a:schemeClr val="accent2">
+                <a:shade val="45000"/>
+                <a:satMod val="135000"/>
+              </a:schemeClr>
+              <a:prstClr val="white"/>
+            </a:duotone>
+            <a:extLst>
+              <a:ext uri="{28A0092B-C50C-407E-A947-70E740481C1C}">
+                <a14:useLocalDpi xmlns:a14="http://schemas.microsoft.com/office/drawing/2010/main" val="0"/>
+              </a:ext>
+            </a:extLst>
+          </a:blip>
+          <a:stretch>
+            <a:fillRect/>
+          </a:stretch>
+        </p:blipFill>
+        <p:spPr>
+          <a:xfrm rot="536123">
+            <a:off x="2280242" y="1078501"/>
+            <a:ext cx="815504" cy="287293"/>
+          </a:xfrm>
+          <a:prstGeom prst="rect">
+            <a:avLst/>
+          </a:prstGeom>
+        </p:spPr>
+      </p:pic>
+      <p:pic>
+        <p:nvPicPr>
+          <p:cNvPr id="39" name="Picture 38"/>
+          <p:cNvPicPr>
+            <a:picLocks noChangeAspect="1"/>
+          </p:cNvPicPr>
+          <p:nvPr/>
+        </p:nvPicPr>
+        <p:blipFill>
+          <a:blip r:embed="rId5">
+            <a:duotone>
+              <a:schemeClr val="accent1">
+                <a:shade val="45000"/>
+                <a:satMod val="135000"/>
+              </a:schemeClr>
+              <a:prstClr val="white"/>
+            </a:duotone>
+            <a:extLst>
+              <a:ext uri="{28A0092B-C50C-407E-A947-70E740481C1C}">
+                <a14:useLocalDpi xmlns:a14="http://schemas.microsoft.com/office/drawing/2010/main" val="0"/>
+              </a:ext>
+            </a:extLst>
+          </a:blip>
+          <a:stretch>
+            <a:fillRect/>
+          </a:stretch>
+        </p:blipFill>
+        <p:spPr>
+          <a:xfrm rot="21324512">
+            <a:off x="6229858" y="2743772"/>
+            <a:ext cx="1197518" cy="347835"/>
+          </a:xfrm>
+          <a:prstGeom prst="rect">
+            <a:avLst/>
+          </a:prstGeom>
+        </p:spPr>
+      </p:pic>
+      <p:pic>
+        <p:nvPicPr>
+          <p:cNvPr id="44" name="Picture 43"/>
+          <p:cNvPicPr>
+            <a:picLocks noChangeAspect="1"/>
+          </p:cNvPicPr>
+          <p:nvPr/>
+        </p:nvPicPr>
+        <p:blipFill>
+          <a:blip r:embed="rId2">
+            <a:duotone>
+              <a:schemeClr val="accent4">
+                <a:shade val="45000"/>
+                <a:satMod val="135000"/>
+              </a:schemeClr>
+              <a:prstClr val="white"/>
+            </a:duotone>
+          </a:blip>
+          <a:stretch>
+            <a:fillRect/>
+          </a:stretch>
+        </p:blipFill>
+        <p:spPr>
+          <a:xfrm>
+            <a:off x="1474489" y="5083963"/>
+            <a:ext cx="506516" cy="477844"/>
+          </a:xfrm>
+          <a:prstGeom prst="rect">
+            <a:avLst/>
+          </a:prstGeom>
+        </p:spPr>
+      </p:pic>
+      <p:pic>
+        <p:nvPicPr>
+          <p:cNvPr id="45" name="Picture 44"/>
+          <p:cNvPicPr>
+            <a:picLocks noChangeAspect="1"/>
+          </p:cNvPicPr>
+          <p:nvPr/>
+        </p:nvPicPr>
+        <p:blipFill>
+          <a:blip r:embed="rId2">
+            <a:duotone>
+              <a:schemeClr val="accent6">
+                <a:shade val="45000"/>
+                <a:satMod val="135000"/>
+              </a:schemeClr>
+              <a:prstClr val="white"/>
+            </a:duotone>
+          </a:blip>
+          <a:stretch>
+            <a:fillRect/>
+          </a:stretch>
+        </p:blipFill>
+        <p:spPr>
+          <a:xfrm>
+            <a:off x="830636" y="5128720"/>
+            <a:ext cx="506516" cy="477844"/>
+          </a:xfrm>
+          <a:prstGeom prst="rect">
+            <a:avLst/>
+          </a:prstGeom>
+        </p:spPr>
+      </p:pic>
+      <p:pic>
+        <p:nvPicPr>
+          <p:cNvPr id="46" name="Picture 45"/>
+          <p:cNvPicPr>
+            <a:picLocks noChangeAspect="1"/>
+          </p:cNvPicPr>
+          <p:nvPr/>
+        </p:nvPicPr>
+        <p:blipFill>
+          <a:blip r:embed="rId4">
+            <a:duotone>
+              <a:schemeClr val="accent4">
+                <a:shade val="45000"/>
+                <a:satMod val="135000"/>
+              </a:schemeClr>
+              <a:prstClr val="white"/>
+            </a:duotone>
+            <a:extLst>
+              <a:ext uri="{28A0092B-C50C-407E-A947-70E740481C1C}">
+                <a14:useLocalDpi xmlns:a14="http://schemas.microsoft.com/office/drawing/2010/main" val="0"/>
+              </a:ext>
+            </a:extLst>
+          </a:blip>
+          <a:stretch>
+            <a:fillRect/>
+          </a:stretch>
+        </p:blipFill>
+        <p:spPr>
+          <a:xfrm>
+            <a:off x="3315136" y="840073"/>
+            <a:ext cx="1214518" cy="815342"/>
+          </a:xfrm>
+          <a:prstGeom prst="rect">
+            <a:avLst/>
+          </a:prstGeom>
+        </p:spPr>
+      </p:pic>
+      <p:sp>
+        <p:nvSpPr>
+          <p:cNvPr id="47" name="TextBox 46"/>
+          <p:cNvSpPr txBox="1"/>
+          <p:nvPr/>
+        </p:nvSpPr>
+        <p:spPr>
+          <a:xfrm>
+            <a:off x="3362347" y="982970"/>
+            <a:ext cx="1099981" cy="461665"/>
+          </a:xfrm>
+          <a:prstGeom prst="rect">
+            <a:avLst/>
+          </a:prstGeom>
+          <a:noFill/>
+        </p:spPr>
+        <p:txBody>
+          <a:bodyPr wrap="none" rtlCol="0">
+            <a:spAutoFit/>
+          </a:bodyPr>
+          <a:lstStyle/>
+          <a:p>
+            <a:r>
+              <a:rPr lang="en-US" sz="2400" dirty="0" smtClean="0">
+                <a:latin typeface="Kalam" charset="0"/>
+                <a:ea typeface="Kalam" charset="0"/>
+                <a:cs typeface="Kalam" charset="0"/>
+              </a:rPr>
+              <a:t>Fat Jar</a:t>
+            </a:r>
+            <a:endParaRPr lang="en-US" sz="2400" dirty="0">
+              <a:latin typeface="Kalam" charset="0"/>
+              <a:ea typeface="Kalam" charset="0"/>
+              <a:cs typeface="Kalam" charset="0"/>
+            </a:endParaRPr>
+          </a:p>
+        </p:txBody>
+      </p:sp>
+      <p:sp>
+        <p:nvSpPr>
+          <p:cNvPr id="48" name="TextBox 47"/>
+          <p:cNvSpPr txBox="1"/>
+          <p:nvPr/>
+        </p:nvSpPr>
+        <p:spPr>
+          <a:xfrm>
+            <a:off x="2188292" y="643238"/>
+            <a:ext cx="867545" cy="646331"/>
+          </a:xfrm>
+          <a:prstGeom prst="rect">
+            <a:avLst/>
+          </a:prstGeom>
+          <a:noFill/>
+        </p:spPr>
+        <p:txBody>
+          <a:bodyPr wrap="none" rtlCol="0">
+            <a:spAutoFit/>
+          </a:bodyPr>
+          <a:lstStyle/>
+          <a:p>
+            <a:pPr algn="ctr"/>
+            <a:r>
+              <a:rPr lang="en-US" dirty="0" smtClean="0">
+                <a:latin typeface="Kalam" charset="0"/>
+                <a:ea typeface="Kalam" charset="0"/>
+                <a:cs typeface="Kalam" charset="0"/>
+              </a:rPr>
+              <a:t>Maven </a:t>
+            </a:r>
+          </a:p>
+          <a:p>
+            <a:pPr algn="ctr"/>
+            <a:r>
+              <a:rPr lang="en-US" dirty="0" smtClean="0">
+                <a:latin typeface="Kalam" charset="0"/>
+                <a:ea typeface="Kalam" charset="0"/>
+                <a:cs typeface="Kalam" charset="0"/>
+              </a:rPr>
+              <a:t>build</a:t>
+            </a:r>
+            <a:endParaRPr lang="en-US" dirty="0">
+              <a:latin typeface="Kalam" charset="0"/>
+              <a:ea typeface="Kalam" charset="0"/>
+              <a:cs typeface="Kalam" charset="0"/>
+            </a:endParaRPr>
+          </a:p>
+        </p:txBody>
+      </p:sp>
+      <p:pic>
+        <p:nvPicPr>
+          <p:cNvPr id="49" name="Picture 48"/>
+          <p:cNvPicPr>
+            <a:picLocks noChangeAspect="1"/>
+          </p:cNvPicPr>
+          <p:nvPr/>
+        </p:nvPicPr>
+        <p:blipFill>
+          <a:blip r:embed="rId5">
+            <a:duotone>
+              <a:schemeClr val="accent2">
+                <a:shade val="45000"/>
+                <a:satMod val="135000"/>
+              </a:schemeClr>
+              <a:prstClr val="white"/>
+            </a:duotone>
+            <a:extLst>
+              <a:ext uri="{28A0092B-C50C-407E-A947-70E740481C1C}">
+                <a14:useLocalDpi xmlns:a14="http://schemas.microsoft.com/office/drawing/2010/main" val="0"/>
+              </a:ext>
+            </a:extLst>
+          </a:blip>
+          <a:stretch>
+            <a:fillRect/>
+          </a:stretch>
+        </p:blipFill>
+        <p:spPr>
+          <a:xfrm rot="536123">
+            <a:off x="4595810" y="1044559"/>
+            <a:ext cx="815504" cy="287293"/>
+          </a:xfrm>
+          <a:prstGeom prst="rect">
+            <a:avLst/>
+          </a:prstGeom>
+        </p:spPr>
+      </p:pic>
+      <p:sp>
+        <p:nvSpPr>
+          <p:cNvPr id="50" name="TextBox 49"/>
+          <p:cNvSpPr txBox="1"/>
+          <p:nvPr/>
+        </p:nvSpPr>
+        <p:spPr>
+          <a:xfrm>
+            <a:off x="6847716" y="718317"/>
+            <a:ext cx="1326004" cy="369332"/>
+          </a:xfrm>
+          <a:prstGeom prst="rect">
+            <a:avLst/>
+          </a:prstGeom>
+          <a:noFill/>
+        </p:spPr>
+        <p:txBody>
+          <a:bodyPr wrap="none" rtlCol="0">
+            <a:spAutoFit/>
+          </a:bodyPr>
+          <a:lstStyle/>
+          <a:p>
+            <a:pPr algn="ctr"/>
+            <a:r>
+              <a:rPr lang="en-US" smtClean="0">
+                <a:latin typeface="Kalam" charset="0"/>
+                <a:ea typeface="Kalam" charset="0"/>
+                <a:cs typeface="Kalam" charset="0"/>
+              </a:rPr>
+              <a:t>Deployment</a:t>
+            </a:r>
+            <a:endParaRPr lang="en-US" dirty="0">
+              <a:latin typeface="Kalam" charset="0"/>
+              <a:ea typeface="Kalam" charset="0"/>
+              <a:cs typeface="Kalam" charset="0"/>
+            </a:endParaRPr>
+          </a:p>
+        </p:txBody>
+      </p:sp>
+      <p:pic>
+        <p:nvPicPr>
+          <p:cNvPr id="51" name="Picture 50"/>
+          <p:cNvPicPr>
+            <a:picLocks noChangeAspect="1"/>
+          </p:cNvPicPr>
+          <p:nvPr/>
+        </p:nvPicPr>
+        <p:blipFill>
+          <a:blip r:embed="rId5">
+            <a:duotone>
+              <a:schemeClr val="accent1">
+                <a:shade val="45000"/>
+                <a:satMod val="135000"/>
+              </a:schemeClr>
+              <a:prstClr val="white"/>
+            </a:duotone>
+            <a:extLst>
+              <a:ext uri="{28A0092B-C50C-407E-A947-70E740481C1C}">
+                <a14:useLocalDpi xmlns:a14="http://schemas.microsoft.com/office/drawing/2010/main" val="0"/>
+              </a:ext>
+            </a:extLst>
+          </a:blip>
+          <a:stretch>
+            <a:fillRect/>
+          </a:stretch>
+        </p:blipFill>
+        <p:spPr>
+          <a:xfrm rot="389258">
+            <a:off x="6759401" y="1049461"/>
+            <a:ext cx="1537372" cy="347835"/>
+          </a:xfrm>
+          <a:prstGeom prst="rect">
+            <a:avLst/>
+          </a:prstGeom>
+        </p:spPr>
+      </p:pic>
+      <p:sp>
+        <p:nvSpPr>
+          <p:cNvPr id="52" name="TextBox 51"/>
+          <p:cNvSpPr txBox="1"/>
+          <p:nvPr/>
+        </p:nvSpPr>
+        <p:spPr>
+          <a:xfrm>
+            <a:off x="8523484" y="1040239"/>
+            <a:ext cx="635110" cy="461665"/>
+          </a:xfrm>
+          <a:prstGeom prst="rect">
+            <a:avLst/>
+          </a:prstGeom>
+          <a:noFill/>
+        </p:spPr>
+        <p:txBody>
+          <a:bodyPr wrap="none" rtlCol="0">
+            <a:spAutoFit/>
+          </a:bodyPr>
+          <a:lstStyle/>
+          <a:p>
+            <a:pPr algn="ctr"/>
+            <a:r>
+              <a:rPr lang="en-US" sz="2400" smtClean="0">
+                <a:latin typeface="Kalam" charset="0"/>
+                <a:ea typeface="Kalam" charset="0"/>
+                <a:cs typeface="Kalam" charset="0"/>
+              </a:rPr>
+              <a:t>Pod</a:t>
+            </a:r>
+            <a:endParaRPr lang="en-US" sz="2400" dirty="0">
+              <a:latin typeface="Kalam" charset="0"/>
+              <a:ea typeface="Kalam" charset="0"/>
+              <a:cs typeface="Kalam" charset="0"/>
+            </a:endParaRPr>
+          </a:p>
+        </p:txBody>
+      </p:sp>
+      <p:sp>
+        <p:nvSpPr>
+          <p:cNvPr id="53" name="TextBox 52"/>
+          <p:cNvSpPr txBox="1"/>
+          <p:nvPr/>
+        </p:nvSpPr>
+        <p:spPr>
+          <a:xfrm>
+            <a:off x="4676246" y="608369"/>
+            <a:ext cx="646332" cy="646331"/>
+          </a:xfrm>
+          <a:prstGeom prst="rect">
+            <a:avLst/>
+          </a:prstGeom>
+          <a:noFill/>
+        </p:spPr>
+        <p:txBody>
+          <a:bodyPr wrap="none" rtlCol="0">
+            <a:spAutoFit/>
+          </a:bodyPr>
+          <a:lstStyle/>
+          <a:p>
+            <a:pPr algn="ctr"/>
+            <a:r>
+              <a:rPr lang="en-US" dirty="0" smtClean="0">
+                <a:latin typeface="Kalam" charset="0"/>
+                <a:ea typeface="Kalam" charset="0"/>
+                <a:cs typeface="Kalam" charset="0"/>
+              </a:rPr>
+              <a:t>S2I</a:t>
+            </a:r>
+          </a:p>
+          <a:p>
+            <a:pPr algn="ctr"/>
+            <a:r>
+              <a:rPr lang="en-US" dirty="0" smtClean="0">
+                <a:latin typeface="Kalam" charset="0"/>
+                <a:ea typeface="Kalam" charset="0"/>
+                <a:cs typeface="Kalam" charset="0"/>
+              </a:rPr>
+              <a:t>build</a:t>
+            </a:r>
+            <a:endParaRPr lang="en-US" dirty="0">
+              <a:latin typeface="Kalam" charset="0"/>
+              <a:ea typeface="Kalam" charset="0"/>
+              <a:cs typeface="Kalam" charset="0"/>
+            </a:endParaRPr>
+          </a:p>
+        </p:txBody>
+      </p:sp>
+      <p:sp>
+        <p:nvSpPr>
+          <p:cNvPr id="55" name="TextBox 54"/>
+          <p:cNvSpPr txBox="1"/>
+          <p:nvPr/>
+        </p:nvSpPr>
+        <p:spPr>
+          <a:xfrm>
+            <a:off x="7565079" y="2486416"/>
+            <a:ext cx="635110" cy="461665"/>
+          </a:xfrm>
+          <a:prstGeom prst="rect">
+            <a:avLst/>
+          </a:prstGeom>
+          <a:noFill/>
+        </p:spPr>
+        <p:txBody>
+          <a:bodyPr wrap="none" rtlCol="0">
+            <a:spAutoFit/>
+          </a:bodyPr>
+          <a:lstStyle/>
+          <a:p>
+            <a:pPr algn="ctr"/>
+            <a:r>
+              <a:rPr lang="en-US" sz="2400" smtClean="0">
+                <a:latin typeface="Kalam" charset="0"/>
+                <a:ea typeface="Kalam" charset="0"/>
+                <a:cs typeface="Kalam" charset="0"/>
+              </a:rPr>
+              <a:t>Pod</a:t>
+            </a:r>
+            <a:endParaRPr lang="en-US" sz="2400" dirty="0">
+              <a:latin typeface="Kalam" charset="0"/>
+              <a:ea typeface="Kalam" charset="0"/>
+              <a:cs typeface="Kalam" charset="0"/>
+            </a:endParaRPr>
+          </a:p>
+        </p:txBody>
+      </p:sp>
+      <p:pic>
+        <p:nvPicPr>
+          <p:cNvPr id="56" name="Picture 55"/>
+          <p:cNvPicPr>
+            <a:picLocks noChangeAspect="1"/>
+          </p:cNvPicPr>
+          <p:nvPr/>
+        </p:nvPicPr>
+        <p:blipFill>
+          <a:blip r:embed="rId2">
+            <a:duotone>
+              <a:schemeClr val="accent6">
+                <a:shade val="45000"/>
+                <a:satMod val="135000"/>
+              </a:schemeClr>
+              <a:prstClr val="white"/>
+            </a:duotone>
+          </a:blip>
+          <a:stretch>
+            <a:fillRect/>
+          </a:stretch>
+        </p:blipFill>
+        <p:spPr>
+          <a:xfrm>
+            <a:off x="7863928" y="3205315"/>
+            <a:ext cx="790049" cy="745327"/>
+          </a:xfrm>
+          <a:prstGeom prst="rect">
+            <a:avLst/>
+          </a:prstGeom>
+        </p:spPr>
+      </p:pic>
+      <p:sp>
+        <p:nvSpPr>
+          <p:cNvPr id="57" name="TextBox 56"/>
+          <p:cNvSpPr txBox="1"/>
+          <p:nvPr/>
+        </p:nvSpPr>
+        <p:spPr>
+          <a:xfrm>
+            <a:off x="7914604" y="3337947"/>
+            <a:ext cx="635110" cy="461665"/>
+          </a:xfrm>
+          <a:prstGeom prst="rect">
+            <a:avLst/>
+          </a:prstGeom>
+          <a:noFill/>
+        </p:spPr>
+        <p:txBody>
+          <a:bodyPr wrap="none" rtlCol="0">
+            <a:spAutoFit/>
+          </a:bodyPr>
+          <a:lstStyle/>
+          <a:p>
+            <a:pPr algn="ctr"/>
+            <a:r>
+              <a:rPr lang="en-US" sz="2400" smtClean="0">
+                <a:latin typeface="Kalam" charset="0"/>
+                <a:ea typeface="Kalam" charset="0"/>
+                <a:cs typeface="Kalam" charset="0"/>
+              </a:rPr>
+              <a:t>Pod</a:t>
+            </a:r>
+            <a:endParaRPr lang="en-US" sz="2400" dirty="0">
+              <a:latin typeface="Kalam" charset="0"/>
+              <a:ea typeface="Kalam" charset="0"/>
+              <a:cs typeface="Kalam" charset="0"/>
+            </a:endParaRPr>
+          </a:p>
+        </p:txBody>
+      </p:sp>
+      <p:pic>
+        <p:nvPicPr>
+          <p:cNvPr id="58" name="Picture 57"/>
+          <p:cNvPicPr>
+            <a:picLocks noChangeAspect="1"/>
+          </p:cNvPicPr>
+          <p:nvPr/>
+        </p:nvPicPr>
+        <p:blipFill>
+          <a:blip r:embed="rId2">
+            <a:duotone>
+              <a:schemeClr val="accent6">
+                <a:shade val="45000"/>
+                <a:satMod val="135000"/>
+              </a:schemeClr>
+              <a:prstClr val="white"/>
+            </a:duotone>
+          </a:blip>
+          <a:stretch>
+            <a:fillRect/>
+          </a:stretch>
+        </p:blipFill>
+        <p:spPr>
+          <a:xfrm>
+            <a:off x="7353549" y="3871093"/>
+            <a:ext cx="790049" cy="745327"/>
+          </a:xfrm>
+          <a:prstGeom prst="rect">
+            <a:avLst/>
+          </a:prstGeom>
+        </p:spPr>
+      </p:pic>
+      <p:sp>
+        <p:nvSpPr>
+          <p:cNvPr id="59" name="TextBox 58"/>
+          <p:cNvSpPr txBox="1"/>
+          <p:nvPr/>
+        </p:nvSpPr>
+        <p:spPr>
+          <a:xfrm>
+            <a:off x="7404225" y="4003725"/>
+            <a:ext cx="635110" cy="461665"/>
+          </a:xfrm>
+          <a:prstGeom prst="rect">
+            <a:avLst/>
+          </a:prstGeom>
+          <a:noFill/>
+        </p:spPr>
+        <p:txBody>
+          <a:bodyPr wrap="none" rtlCol="0">
+            <a:spAutoFit/>
+          </a:bodyPr>
+          <a:lstStyle/>
+          <a:p>
+            <a:pPr algn="ctr"/>
+            <a:r>
+              <a:rPr lang="en-US" sz="2400" smtClean="0">
+                <a:latin typeface="Kalam" charset="0"/>
+                <a:ea typeface="Kalam" charset="0"/>
+                <a:cs typeface="Kalam" charset="0"/>
+              </a:rPr>
+              <a:t>Pod</a:t>
+            </a:r>
+            <a:endParaRPr lang="en-US" sz="2400" dirty="0">
+              <a:latin typeface="Kalam" charset="0"/>
+              <a:ea typeface="Kalam" charset="0"/>
+              <a:cs typeface="Kalam" charset="0"/>
+            </a:endParaRPr>
+          </a:p>
+        </p:txBody>
+      </p:sp>
+      <p:sp>
+        <p:nvSpPr>
+          <p:cNvPr id="60" name="TextBox 59"/>
+          <p:cNvSpPr txBox="1"/>
+          <p:nvPr/>
+        </p:nvSpPr>
+        <p:spPr>
+          <a:xfrm>
+            <a:off x="3343845" y="2671800"/>
+            <a:ext cx="1181734" cy="830997"/>
+          </a:xfrm>
+          <a:prstGeom prst="rect">
+            <a:avLst/>
+          </a:prstGeom>
+          <a:noFill/>
+        </p:spPr>
+        <p:txBody>
+          <a:bodyPr wrap="none" rtlCol="0">
+            <a:spAutoFit/>
+          </a:bodyPr>
+          <a:lstStyle/>
+          <a:p>
+            <a:pPr algn="ctr"/>
+            <a:r>
+              <a:rPr lang="en-US" sz="2400" dirty="0" smtClean="0">
+                <a:latin typeface="Kalam" charset="0"/>
+                <a:ea typeface="Kalam" charset="0"/>
+                <a:cs typeface="Kalam" charset="0"/>
+              </a:rPr>
+              <a:t>Internal</a:t>
+            </a:r>
+          </a:p>
+          <a:p>
+            <a:pPr algn="ctr"/>
+            <a:r>
+              <a:rPr lang="en-US" sz="2400" dirty="0" smtClean="0">
+                <a:latin typeface="Kalam" charset="0"/>
+                <a:ea typeface="Kalam" charset="0"/>
+                <a:cs typeface="Kalam" charset="0"/>
+              </a:rPr>
+              <a:t>IP</a:t>
+            </a:r>
+            <a:endParaRPr lang="en-US" sz="2400" dirty="0">
+              <a:latin typeface="Kalam" charset="0"/>
+              <a:ea typeface="Kalam" charset="0"/>
+              <a:cs typeface="Kalam" charset="0"/>
+            </a:endParaRPr>
+          </a:p>
+        </p:txBody>
+      </p:sp>
+      <p:pic>
+        <p:nvPicPr>
+          <p:cNvPr id="61" name="Picture 60"/>
+          <p:cNvPicPr>
+            <a:picLocks noChangeAspect="1"/>
+          </p:cNvPicPr>
+          <p:nvPr/>
+        </p:nvPicPr>
+        <p:blipFill>
+          <a:blip r:embed="rId5">
+            <a:duotone>
+              <a:schemeClr val="accent1">
+                <a:shade val="45000"/>
+                <a:satMod val="135000"/>
+              </a:schemeClr>
+              <a:prstClr val="white"/>
+            </a:duotone>
+            <a:extLst>
+              <a:ext uri="{28A0092B-C50C-407E-A947-70E740481C1C}">
+                <a14:useLocalDpi xmlns:a14="http://schemas.microsoft.com/office/drawing/2010/main" val="0"/>
+              </a:ext>
+            </a:extLst>
+          </a:blip>
+          <a:stretch>
+            <a:fillRect/>
+          </a:stretch>
+        </p:blipFill>
+        <p:spPr>
+          <a:xfrm rot="612221">
+            <a:off x="6332392" y="3116471"/>
+            <a:ext cx="1197518" cy="347835"/>
+          </a:xfrm>
+          <a:prstGeom prst="rect">
+            <a:avLst/>
+          </a:prstGeom>
+        </p:spPr>
+      </p:pic>
+      <p:pic>
+        <p:nvPicPr>
+          <p:cNvPr id="62" name="Picture 61"/>
+          <p:cNvPicPr>
+            <a:picLocks noChangeAspect="1"/>
+          </p:cNvPicPr>
+          <p:nvPr/>
+        </p:nvPicPr>
+        <p:blipFill>
+          <a:blip r:embed="rId5">
+            <a:duotone>
+              <a:schemeClr val="accent1">
+                <a:shade val="45000"/>
+                <a:satMod val="135000"/>
+              </a:schemeClr>
+              <a:prstClr val="white"/>
+            </a:duotone>
+            <a:extLst>
+              <a:ext uri="{28A0092B-C50C-407E-A947-70E740481C1C}">
+                <a14:useLocalDpi xmlns:a14="http://schemas.microsoft.com/office/drawing/2010/main" val="0"/>
+              </a:ext>
+            </a:extLst>
+          </a:blip>
+          <a:stretch>
+            <a:fillRect/>
+          </a:stretch>
+        </p:blipFill>
+        <p:spPr>
+          <a:xfrm rot="2094338">
+            <a:off x="6176271" y="3570468"/>
+            <a:ext cx="1197518" cy="347835"/>
+          </a:xfrm>
+          <a:prstGeom prst="rect">
+            <a:avLst/>
+          </a:prstGeom>
+        </p:spPr>
+      </p:pic>
+      <p:sp>
+        <p:nvSpPr>
+          <p:cNvPr id="63" name="TextBox 62"/>
+          <p:cNvSpPr txBox="1"/>
+          <p:nvPr/>
+        </p:nvSpPr>
+        <p:spPr>
+          <a:xfrm>
+            <a:off x="6217681" y="2039853"/>
+            <a:ext cx="952505" cy="830997"/>
+          </a:xfrm>
+          <a:prstGeom prst="rect">
+            <a:avLst/>
+          </a:prstGeom>
+          <a:noFill/>
+        </p:spPr>
+        <p:txBody>
+          <a:bodyPr wrap="none" rtlCol="0">
+            <a:spAutoFit/>
+          </a:bodyPr>
+          <a:lstStyle/>
+          <a:p>
+            <a:pPr algn="ctr"/>
+            <a:r>
+              <a:rPr lang="en-US" sz="2400" dirty="0" smtClean="0">
+                <a:latin typeface="Kalam" charset="0"/>
+                <a:ea typeface="Kalam" charset="0"/>
+                <a:cs typeface="Kalam" charset="0"/>
+              </a:rPr>
+              <a:t>Round</a:t>
+            </a:r>
+          </a:p>
+          <a:p>
+            <a:pPr algn="ctr"/>
+            <a:r>
+              <a:rPr lang="en-US" sz="2400" dirty="0" smtClean="0">
+                <a:latin typeface="Kalam" charset="0"/>
+                <a:ea typeface="Kalam" charset="0"/>
+                <a:cs typeface="Kalam" charset="0"/>
+              </a:rPr>
+              <a:t>robin</a:t>
+            </a:r>
+            <a:endParaRPr lang="en-US" sz="2400" dirty="0">
+              <a:latin typeface="Kalam" charset="0"/>
+              <a:ea typeface="Kalam" charset="0"/>
+              <a:cs typeface="Kalam" charset="0"/>
+            </a:endParaRPr>
+          </a:p>
+        </p:txBody>
+      </p:sp>
+    </p:spTree>
+    <p:extLst>
+      <p:ext uri="{BB962C8B-B14F-4D97-AF65-F5344CB8AC3E}">
+        <p14:creationId xmlns:p14="http://schemas.microsoft.com/office/powerpoint/2010/main" val="937921157"/>
+      </p:ext>
+    </p:extLst>
+  </p:cSld>
+  <p:clrMapOvr>
+    <a:masterClrMapping/>
+  </p:clrMapOvr>
+</p:sld>
+</file>
+
+<file path=ppt/slides/slide3.xml><?xml version="1.0" encoding="utf-8"?>
+<p:sld xmlns:a="http://schemas.openxmlformats.org/drawingml/2006/main" xmlns:r="http://schemas.openxmlformats.org/officeDocument/2006/relationships" xmlns:p="http://schemas.openxmlformats.org/presentationml/2006/main">
+  <p:cSld>
+    <p:spTree>
+      <p:nvGrpSpPr>
+        <p:cNvPr id="1" name=""/>
+        <p:cNvGrpSpPr/>
+        <p:nvPr/>
+      </p:nvGrpSpPr>
+      <p:grpSpPr>
+        <a:xfrm>
+          <a:off x="0" y="0"/>
+          <a:ext cx="0" cy="0"/>
+          <a:chOff x="0" y="0"/>
+          <a:chExt cx="0" cy="0"/>
+        </a:xfrm>
+      </p:grpSpPr>
+      <p:cxnSp>
+        <p:nvCxnSpPr>
+          <p:cNvPr id="4" name="Straight Connector 3"/>
+          <p:cNvCxnSpPr/>
+          <p:nvPr/>
+        </p:nvCxnSpPr>
+        <p:spPr>
+          <a:xfrm flipH="1">
+            <a:off x="2080815" y="4799883"/>
+            <a:ext cx="304796" cy="0"/>
+          </a:xfrm>
+          <a:prstGeom prst="line">
+            <a:avLst/>
+          </a:prstGeom>
+          <a:ln w="19050"/>
+        </p:spPr>
+        <p:style>
+          <a:lnRef idx="1">
+            <a:schemeClr val="accent1"/>
+          </a:lnRef>
+          <a:fillRef idx="0">
+            <a:schemeClr val="accent1"/>
+          </a:fillRef>
+          <a:effectRef idx="0">
+            <a:schemeClr val="accent1"/>
+          </a:effectRef>
+          <a:fontRef idx="minor">
+            <a:schemeClr val="tx1"/>
+          </a:fontRef>
+        </p:style>
+      </p:cxnSp>
+      <p:sp>
+        <p:nvSpPr>
+          <p:cNvPr id="5" name="Rounded Rectangle 4"/>
+          <p:cNvSpPr/>
+          <p:nvPr/>
+        </p:nvSpPr>
+        <p:spPr>
+          <a:xfrm>
+            <a:off x="8090444" y="4989439"/>
+            <a:ext cx="1272209" cy="728870"/>
+          </a:xfrm>
+          <a:prstGeom prst="roundRect">
+            <a:avLst/>
+          </a:prstGeom>
+        </p:spPr>
+        <p:style>
+          <a:lnRef idx="1">
+            <a:schemeClr val="accent2"/>
+          </a:lnRef>
+          <a:fillRef idx="2">
+            <a:schemeClr val="accent2"/>
+          </a:fillRef>
+          <a:effectRef idx="1">
+            <a:schemeClr val="accent2"/>
+          </a:effectRef>
+          <a:fontRef idx="minor">
+            <a:schemeClr val="dk1"/>
+          </a:fontRef>
+        </p:style>
+        <p:txBody>
+          <a:bodyPr rtlCol="0" anchor="ctr"/>
+          <a:lstStyle/>
+          <a:p>
+            <a:pPr algn="ctr"/>
+            <a:r>
+              <a:rPr lang="en-US" dirty="0" smtClean="0"/>
+              <a:t>Quote</a:t>
+            </a:r>
+          </a:p>
+          <a:p>
+            <a:pPr algn="ctr"/>
+            <a:r>
+              <a:rPr lang="en-US" dirty="0" smtClean="0"/>
+              <a:t>Generator</a:t>
+            </a:r>
+            <a:endParaRPr lang="en-US" dirty="0"/>
+          </a:p>
+        </p:txBody>
+      </p:sp>
+      <p:sp>
+        <p:nvSpPr>
+          <p:cNvPr id="6" name="Rounded Rectangle 5"/>
+          <p:cNvSpPr/>
+          <p:nvPr/>
+        </p:nvSpPr>
+        <p:spPr>
+          <a:xfrm>
+            <a:off x="8335614" y="2564295"/>
+            <a:ext cx="1272209" cy="728870"/>
+          </a:xfrm>
+          <a:prstGeom prst="roundRect">
+            <a:avLst/>
+          </a:prstGeom>
+        </p:spPr>
+        <p:style>
+          <a:lnRef idx="1">
+            <a:schemeClr val="accent2"/>
+          </a:lnRef>
+          <a:fillRef idx="2">
+            <a:schemeClr val="accent2"/>
+          </a:fillRef>
+          <a:effectRef idx="1">
+            <a:schemeClr val="accent2"/>
+          </a:effectRef>
+          <a:fontRef idx="minor">
+            <a:schemeClr val="dk1"/>
+          </a:fontRef>
+        </p:style>
+        <p:txBody>
+          <a:bodyPr rtlCol="0" anchor="ctr"/>
+          <a:lstStyle/>
+          <a:p>
+            <a:pPr algn="ctr"/>
+            <a:r>
+              <a:rPr lang="en-US" smtClean="0"/>
+              <a:t>Trader</a:t>
+            </a:r>
+            <a:endParaRPr lang="en-US" dirty="0"/>
+          </a:p>
+        </p:txBody>
+      </p:sp>
+      <p:sp>
+        <p:nvSpPr>
+          <p:cNvPr id="7" name="Rounded Rectangle 6"/>
+          <p:cNvSpPr/>
+          <p:nvPr/>
+        </p:nvSpPr>
+        <p:spPr>
+          <a:xfrm>
+            <a:off x="8236223" y="2676939"/>
+            <a:ext cx="1272209" cy="728870"/>
+          </a:xfrm>
+          <a:prstGeom prst="roundRect">
+            <a:avLst/>
+          </a:prstGeom>
+        </p:spPr>
+        <p:style>
+          <a:lnRef idx="1">
+            <a:schemeClr val="accent2"/>
+          </a:lnRef>
+          <a:fillRef idx="2">
+            <a:schemeClr val="accent2"/>
+          </a:fillRef>
+          <a:effectRef idx="1">
+            <a:schemeClr val="accent2"/>
+          </a:effectRef>
+          <a:fontRef idx="minor">
+            <a:schemeClr val="dk1"/>
+          </a:fontRef>
+        </p:style>
+        <p:txBody>
+          <a:bodyPr rtlCol="0" anchor="ctr"/>
+          <a:lstStyle/>
+          <a:p>
+            <a:pPr algn="ctr"/>
+            <a:r>
+              <a:rPr lang="en-US" smtClean="0"/>
+              <a:t>Trader</a:t>
+            </a:r>
+            <a:endParaRPr lang="en-US" dirty="0"/>
+          </a:p>
+        </p:txBody>
+      </p:sp>
+      <p:sp>
+        <p:nvSpPr>
+          <p:cNvPr id="8" name="Rounded Rectangle 7"/>
+          <p:cNvSpPr/>
+          <p:nvPr/>
+        </p:nvSpPr>
+        <p:spPr>
+          <a:xfrm>
+            <a:off x="8083821" y="2789583"/>
+            <a:ext cx="1272209" cy="728870"/>
+          </a:xfrm>
+          <a:prstGeom prst="roundRect">
+            <a:avLst/>
+          </a:prstGeom>
+        </p:spPr>
+        <p:style>
+          <a:lnRef idx="1">
+            <a:schemeClr val="accent2"/>
+          </a:lnRef>
+          <a:fillRef idx="2">
+            <a:schemeClr val="accent2"/>
+          </a:fillRef>
+          <a:effectRef idx="1">
+            <a:schemeClr val="accent2"/>
+          </a:effectRef>
+          <a:fontRef idx="minor">
+            <a:schemeClr val="dk1"/>
+          </a:fontRef>
+        </p:style>
+        <p:txBody>
+          <a:bodyPr rtlCol="0" anchor="ctr"/>
+          <a:lstStyle/>
+          <a:p>
+            <a:pPr algn="ctr"/>
+            <a:r>
+              <a:rPr lang="en-US" dirty="0" smtClean="0"/>
+              <a:t>Traders</a:t>
+            </a:r>
+            <a:endParaRPr lang="en-US" dirty="0"/>
+          </a:p>
+        </p:txBody>
+      </p:sp>
+      <p:sp>
+        <p:nvSpPr>
+          <p:cNvPr id="9" name="Rounded Rectangle 8"/>
+          <p:cNvSpPr/>
+          <p:nvPr/>
+        </p:nvSpPr>
+        <p:spPr>
+          <a:xfrm>
+            <a:off x="4101547" y="2676939"/>
+            <a:ext cx="1272209" cy="728870"/>
+          </a:xfrm>
+          <a:prstGeom prst="roundRect">
+            <a:avLst/>
+          </a:prstGeom>
+        </p:spPr>
+        <p:style>
+          <a:lnRef idx="1">
+            <a:schemeClr val="accent2"/>
+          </a:lnRef>
+          <a:fillRef idx="2">
+            <a:schemeClr val="accent2"/>
+          </a:fillRef>
+          <a:effectRef idx="1">
+            <a:schemeClr val="accent2"/>
+          </a:effectRef>
+          <a:fontRef idx="minor">
+            <a:schemeClr val="dk1"/>
+          </a:fontRef>
+        </p:style>
+        <p:txBody>
+          <a:bodyPr rtlCol="0" anchor="ctr"/>
+          <a:lstStyle/>
+          <a:p>
+            <a:pPr algn="ctr"/>
+            <a:r>
+              <a:rPr lang="en-US" smtClean="0"/>
+              <a:t>Portfolio</a:t>
+            </a:r>
+            <a:endParaRPr lang="en-US" dirty="0"/>
+          </a:p>
+        </p:txBody>
+      </p:sp>
+      <p:sp>
+        <p:nvSpPr>
+          <p:cNvPr id="10" name="Rounded Rectangle 9"/>
+          <p:cNvSpPr/>
+          <p:nvPr/>
+        </p:nvSpPr>
+        <p:spPr>
+          <a:xfrm>
+            <a:off x="7493382" y="654379"/>
+            <a:ext cx="1272209" cy="728870"/>
+          </a:xfrm>
+          <a:prstGeom prst="roundRect">
+            <a:avLst/>
+          </a:prstGeom>
+        </p:spPr>
+        <p:style>
+          <a:lnRef idx="1">
+            <a:schemeClr val="accent2"/>
+          </a:lnRef>
+          <a:fillRef idx="2">
+            <a:schemeClr val="accent2"/>
+          </a:fillRef>
+          <a:effectRef idx="1">
+            <a:schemeClr val="accent2"/>
+          </a:effectRef>
+          <a:fontRef idx="minor">
+            <a:schemeClr val="dk1"/>
+          </a:fontRef>
+        </p:style>
+        <p:txBody>
+          <a:bodyPr rtlCol="0" anchor="ctr"/>
+          <a:lstStyle/>
+          <a:p>
+            <a:pPr algn="ctr"/>
+            <a:r>
+              <a:rPr lang="en-US" smtClean="0"/>
+              <a:t>Dashboard</a:t>
+            </a:r>
+            <a:endParaRPr lang="en-US" dirty="0"/>
+          </a:p>
+        </p:txBody>
+      </p:sp>
+      <p:cxnSp>
+        <p:nvCxnSpPr>
+          <p:cNvPr id="11" name="Straight Connector 10"/>
+          <p:cNvCxnSpPr>
+            <a:stCxn id="6" idx="0"/>
+            <a:endCxn id="18" idx="1"/>
+          </p:cNvCxnSpPr>
+          <p:nvPr/>
+        </p:nvCxnSpPr>
+        <p:spPr>
+          <a:xfrm flipH="1" flipV="1">
+            <a:off x="8722918" y="4731023"/>
+            <a:ext cx="3631" cy="258416"/>
+          </a:xfrm>
+          <a:prstGeom prst="line">
+            <a:avLst/>
+          </a:prstGeom>
+          <a:ln w="19050"/>
+        </p:spPr>
+        <p:style>
+          <a:lnRef idx="1">
+            <a:schemeClr val="accent1"/>
+          </a:lnRef>
+          <a:fillRef idx="0">
+            <a:schemeClr val="accent1"/>
+          </a:fillRef>
+          <a:effectRef idx="0">
+            <a:schemeClr val="accent1"/>
+          </a:effectRef>
+          <a:fontRef idx="minor">
+            <a:schemeClr val="tx1"/>
+          </a:fontRef>
+        </p:style>
+      </p:cxnSp>
+      <p:sp>
+        <p:nvSpPr>
+          <p:cNvPr id="12" name="Chevron 11"/>
+          <p:cNvSpPr/>
+          <p:nvPr/>
+        </p:nvSpPr>
+        <p:spPr>
+          <a:xfrm rot="16200000">
+            <a:off x="8590395" y="4558744"/>
+            <a:ext cx="265044" cy="344557"/>
+          </a:xfrm>
+          <a:prstGeom prst="chevron">
+            <a:avLst/>
+          </a:prstGeom>
+        </p:spPr>
+        <p:style>
+          <a:lnRef idx="1">
+            <a:schemeClr val="accent1"/>
+          </a:lnRef>
+          <a:fillRef idx="2">
+            <a:schemeClr val="accent1"/>
+          </a:fillRef>
+          <a:effectRef idx="1">
+            <a:schemeClr val="accent1"/>
+          </a:effectRef>
+          <a:fontRef idx="minor">
+            <a:schemeClr val="dk1"/>
+          </a:fontRef>
+        </p:style>
+        <p:txBody>
+          <a:bodyPr rtlCol="0" anchor="ctr"/>
+          <a:lstStyle/>
+          <a:p>
+            <a:pPr algn="ctr"/>
+            <a:endParaRPr lang="en-US">
+              <a:solidFill>
+                <a:schemeClr val="tx1"/>
+              </a:solidFill>
+            </a:endParaRPr>
+          </a:p>
+        </p:txBody>
+      </p:sp>
+      <p:cxnSp>
+        <p:nvCxnSpPr>
+          <p:cNvPr id="13" name="Straight Connector 12"/>
+          <p:cNvCxnSpPr>
+            <a:stCxn id="24" idx="3"/>
+            <a:endCxn id="9" idx="2"/>
+          </p:cNvCxnSpPr>
+          <p:nvPr/>
+        </p:nvCxnSpPr>
+        <p:spPr>
+          <a:xfrm flipV="1">
+            <a:off x="8716925" y="3518453"/>
+            <a:ext cx="3001" cy="242938"/>
+          </a:xfrm>
+          <a:prstGeom prst="line">
+            <a:avLst/>
+          </a:prstGeom>
+          <a:ln w="19050"/>
+        </p:spPr>
+        <p:style>
+          <a:lnRef idx="1">
+            <a:schemeClr val="accent1"/>
+          </a:lnRef>
+          <a:fillRef idx="0">
+            <a:schemeClr val="accent1"/>
+          </a:fillRef>
+          <a:effectRef idx="0">
+            <a:schemeClr val="accent1"/>
+          </a:effectRef>
+          <a:fontRef idx="minor">
+            <a:schemeClr val="tx1"/>
+          </a:fontRef>
+        </p:style>
+      </p:cxnSp>
+      <p:sp>
+        <p:nvSpPr>
+          <p:cNvPr id="14" name="Chevron 13"/>
+          <p:cNvSpPr/>
+          <p:nvPr/>
+        </p:nvSpPr>
+        <p:spPr>
+          <a:xfrm rot="16200000">
+            <a:off x="8584402" y="3721634"/>
+            <a:ext cx="265044" cy="344557"/>
+          </a:xfrm>
+          <a:prstGeom prst="chevron">
+            <a:avLst/>
+          </a:prstGeom>
+        </p:spPr>
+        <p:style>
+          <a:lnRef idx="1">
+            <a:schemeClr val="accent1"/>
+          </a:lnRef>
+          <a:fillRef idx="2">
+            <a:schemeClr val="accent1"/>
+          </a:fillRef>
+          <a:effectRef idx="1">
+            <a:schemeClr val="accent1"/>
+          </a:effectRef>
+          <a:fontRef idx="minor">
+            <a:schemeClr val="dk1"/>
+          </a:fontRef>
+        </p:style>
+        <p:txBody>
+          <a:bodyPr rtlCol="0" anchor="ctr"/>
+          <a:lstStyle/>
+          <a:p>
+            <a:pPr algn="ctr"/>
+            <a:endParaRPr lang="en-US">
+              <a:solidFill>
+                <a:schemeClr val="tx1"/>
+              </a:solidFill>
+            </a:endParaRPr>
+          </a:p>
+        </p:txBody>
+      </p:sp>
+      <p:cxnSp>
+        <p:nvCxnSpPr>
+          <p:cNvPr id="15" name="Straight Connector 14"/>
+          <p:cNvCxnSpPr>
+            <a:stCxn id="16" idx="2"/>
+            <a:endCxn id="9" idx="3"/>
+          </p:cNvCxnSpPr>
+          <p:nvPr/>
+        </p:nvCxnSpPr>
+        <p:spPr>
+          <a:xfrm flipH="1" flipV="1">
+            <a:off x="5373756" y="3041374"/>
+            <a:ext cx="314740" cy="1679"/>
+          </a:xfrm>
+          <a:prstGeom prst="line">
+            <a:avLst/>
+          </a:prstGeom>
+          <a:ln w="19050"/>
+        </p:spPr>
+        <p:style>
+          <a:lnRef idx="1">
+            <a:schemeClr val="accent1"/>
+          </a:lnRef>
+          <a:fillRef idx="0">
+            <a:schemeClr val="accent1"/>
+          </a:fillRef>
+          <a:effectRef idx="0">
+            <a:schemeClr val="accent1"/>
+          </a:effectRef>
+          <a:fontRef idx="minor">
+            <a:schemeClr val="tx1"/>
+          </a:fontRef>
+        </p:style>
+      </p:cxnSp>
+      <p:sp>
+        <p:nvSpPr>
+          <p:cNvPr id="16" name="Oval 15"/>
+          <p:cNvSpPr/>
+          <p:nvPr/>
+        </p:nvSpPr>
+        <p:spPr>
+          <a:xfrm>
+            <a:off x="5688496" y="2930409"/>
+            <a:ext cx="225286" cy="225288"/>
+          </a:xfrm>
+          <a:prstGeom prst="ellipse">
+            <a:avLst/>
+          </a:prstGeom>
+        </p:spPr>
+        <p:style>
+          <a:lnRef idx="1">
+            <a:schemeClr val="accent1"/>
+          </a:lnRef>
+          <a:fillRef idx="2">
+            <a:schemeClr val="accent1"/>
+          </a:fillRef>
+          <a:effectRef idx="1">
+            <a:schemeClr val="accent1"/>
+          </a:effectRef>
+          <a:fontRef idx="minor">
+            <a:schemeClr val="dk1"/>
+          </a:fontRef>
+        </p:style>
+        <p:txBody>
+          <a:bodyPr rtlCol="0" anchor="ctr"/>
+          <a:lstStyle/>
+          <a:p>
+            <a:pPr algn="ctr"/>
+            <a:endParaRPr lang="en-US"/>
+          </a:p>
+        </p:txBody>
+      </p:sp>
+      <p:cxnSp>
+        <p:nvCxnSpPr>
+          <p:cNvPr id="17" name="Straight Connector 16"/>
+          <p:cNvCxnSpPr>
+            <a:stCxn id="6" idx="1"/>
+          </p:cNvCxnSpPr>
+          <p:nvPr/>
+        </p:nvCxnSpPr>
+        <p:spPr>
+          <a:xfrm flipH="1">
+            <a:off x="7779026" y="5353874"/>
+            <a:ext cx="311418" cy="0"/>
+          </a:xfrm>
+          <a:prstGeom prst="line">
+            <a:avLst/>
+          </a:prstGeom>
+          <a:ln w="19050"/>
+        </p:spPr>
+        <p:style>
+          <a:lnRef idx="1">
+            <a:schemeClr val="accent1"/>
+          </a:lnRef>
+          <a:fillRef idx="0">
+            <a:schemeClr val="accent1"/>
+          </a:fillRef>
+          <a:effectRef idx="0">
+            <a:schemeClr val="accent1"/>
+          </a:effectRef>
+          <a:fontRef idx="minor">
+            <a:schemeClr val="tx1"/>
+          </a:fontRef>
+        </p:style>
+      </p:cxnSp>
+      <p:sp>
+        <p:nvSpPr>
+          <p:cNvPr id="18" name="Rectangle 17"/>
+          <p:cNvSpPr/>
+          <p:nvPr/>
+        </p:nvSpPr>
+        <p:spPr>
+          <a:xfrm>
+            <a:off x="7540486" y="5221356"/>
+            <a:ext cx="238539" cy="265043"/>
+          </a:xfrm>
+          <a:prstGeom prst="rect">
+            <a:avLst/>
+          </a:prstGeom>
+        </p:spPr>
+        <p:style>
+          <a:lnRef idx="1">
+            <a:schemeClr val="accent1"/>
+          </a:lnRef>
+          <a:fillRef idx="2">
+            <a:schemeClr val="accent1"/>
+          </a:fillRef>
+          <a:effectRef idx="1">
+            <a:schemeClr val="accent1"/>
+          </a:effectRef>
+          <a:fontRef idx="minor">
+            <a:schemeClr val="dk1"/>
+          </a:fontRef>
+        </p:style>
+        <p:txBody>
+          <a:bodyPr rtlCol="0" anchor="ctr"/>
+          <a:lstStyle/>
+          <a:p>
+            <a:pPr algn="ctr"/>
+            <a:endParaRPr lang="en-US"/>
+          </a:p>
+        </p:txBody>
+      </p:sp>
+      <p:cxnSp>
+        <p:nvCxnSpPr>
+          <p:cNvPr id="19" name="Straight Connector 18"/>
+          <p:cNvCxnSpPr/>
+          <p:nvPr/>
+        </p:nvCxnSpPr>
+        <p:spPr>
+          <a:xfrm>
+            <a:off x="4754228" y="3405809"/>
+            <a:ext cx="0" cy="225288"/>
+          </a:xfrm>
+          <a:prstGeom prst="line">
+            <a:avLst/>
+          </a:prstGeom>
+          <a:ln w="19050"/>
+        </p:spPr>
+        <p:style>
+          <a:lnRef idx="1">
+            <a:schemeClr val="accent1"/>
+          </a:lnRef>
+          <a:fillRef idx="0">
+            <a:schemeClr val="accent1"/>
+          </a:fillRef>
+          <a:effectRef idx="0">
+            <a:schemeClr val="accent1"/>
+          </a:effectRef>
+          <a:fontRef idx="minor">
+            <a:schemeClr val="tx1"/>
+          </a:fontRef>
+        </p:style>
+      </p:cxnSp>
+      <p:sp>
+        <p:nvSpPr>
+          <p:cNvPr id="20" name="Right Bracket 19"/>
+          <p:cNvSpPr/>
+          <p:nvPr/>
+        </p:nvSpPr>
+        <p:spPr>
+          <a:xfrm rot="16200000">
+            <a:off x="4638259" y="3558211"/>
+            <a:ext cx="198782" cy="364435"/>
+          </a:xfrm>
+          <a:prstGeom prst="rightBracket">
+            <a:avLst/>
+          </a:prstGeom>
+          <a:noFill/>
+          <a:ln w="19050"/>
+        </p:spPr>
+        <p:style>
+          <a:lnRef idx="1">
+            <a:schemeClr val="accent1"/>
+          </a:lnRef>
+          <a:fillRef idx="2">
+            <a:schemeClr val="accent1"/>
+          </a:fillRef>
+          <a:effectRef idx="1">
+            <a:schemeClr val="accent1"/>
+          </a:effectRef>
+          <a:fontRef idx="minor">
+            <a:schemeClr val="dk1"/>
+          </a:fontRef>
+        </p:style>
+        <p:txBody>
+          <a:bodyPr rtlCol="0" anchor="ctr"/>
+          <a:lstStyle/>
+          <a:p>
+            <a:pPr algn="ctr"/>
+            <a:endParaRPr lang="en-US"/>
+          </a:p>
+        </p:txBody>
+      </p:sp>
+      <p:cxnSp>
+        <p:nvCxnSpPr>
+          <p:cNvPr id="21" name="Straight Connector 20"/>
+          <p:cNvCxnSpPr>
+            <a:stCxn id="9" idx="1"/>
+          </p:cNvCxnSpPr>
+          <p:nvPr/>
+        </p:nvCxnSpPr>
+        <p:spPr>
+          <a:xfrm flipH="1">
+            <a:off x="7779025" y="3154018"/>
+            <a:ext cx="304796" cy="0"/>
+          </a:xfrm>
+          <a:prstGeom prst="line">
+            <a:avLst/>
+          </a:prstGeom>
+          <a:ln w="19050"/>
+        </p:spPr>
+        <p:style>
+          <a:lnRef idx="1">
+            <a:schemeClr val="accent1"/>
+          </a:lnRef>
+          <a:fillRef idx="0">
+            <a:schemeClr val="accent1"/>
+          </a:fillRef>
+          <a:effectRef idx="0">
+            <a:schemeClr val="accent1"/>
+          </a:effectRef>
+          <a:fontRef idx="minor">
+            <a:schemeClr val="tx1"/>
+          </a:fontRef>
+        </p:style>
+      </p:cxnSp>
+      <p:sp>
+        <p:nvSpPr>
+          <p:cNvPr id="22" name="Block Arc 21"/>
+          <p:cNvSpPr/>
+          <p:nvPr/>
+        </p:nvSpPr>
+        <p:spPr>
+          <a:xfrm rot="5400000">
+            <a:off x="7396370" y="2994994"/>
+            <a:ext cx="434009" cy="318048"/>
+          </a:xfrm>
+          <a:prstGeom prst="blockArc">
+            <a:avLst/>
+          </a:prstGeom>
+        </p:spPr>
+        <p:style>
+          <a:lnRef idx="1">
+            <a:schemeClr val="accent1"/>
+          </a:lnRef>
+          <a:fillRef idx="2">
+            <a:schemeClr val="accent1"/>
+          </a:fillRef>
+          <a:effectRef idx="1">
+            <a:schemeClr val="accent1"/>
+          </a:effectRef>
+          <a:fontRef idx="minor">
+            <a:schemeClr val="dk1"/>
+          </a:fontRef>
+        </p:style>
+        <p:txBody>
+          <a:bodyPr rtlCol="0" anchor="ctr"/>
+          <a:lstStyle/>
+          <a:p>
+            <a:pPr algn="ctr"/>
+            <a:endParaRPr lang="en-US">
+              <a:solidFill>
+                <a:schemeClr val="tx1"/>
+              </a:solidFill>
+            </a:endParaRPr>
+          </a:p>
+        </p:txBody>
+      </p:sp>
+      <p:cxnSp>
+        <p:nvCxnSpPr>
+          <p:cNvPr id="23" name="Straight Connector 22"/>
+          <p:cNvCxnSpPr/>
+          <p:nvPr/>
+        </p:nvCxnSpPr>
+        <p:spPr>
+          <a:xfrm flipH="1" flipV="1">
+            <a:off x="4721079" y="2438399"/>
+            <a:ext cx="1" cy="251790"/>
+          </a:xfrm>
+          <a:prstGeom prst="line">
+            <a:avLst/>
+          </a:prstGeom>
+          <a:ln w="19050"/>
+        </p:spPr>
+        <p:style>
+          <a:lnRef idx="1">
+            <a:schemeClr val="accent1"/>
+          </a:lnRef>
+          <a:fillRef idx="0">
+            <a:schemeClr val="accent1"/>
+          </a:fillRef>
+          <a:effectRef idx="0">
+            <a:schemeClr val="accent1"/>
+          </a:effectRef>
+          <a:fontRef idx="minor">
+            <a:schemeClr val="tx1"/>
+          </a:fontRef>
+        </p:style>
+      </p:cxnSp>
+      <p:sp>
+        <p:nvSpPr>
+          <p:cNvPr id="24" name="Chevron 23"/>
+          <p:cNvSpPr/>
+          <p:nvPr/>
+        </p:nvSpPr>
+        <p:spPr>
+          <a:xfrm rot="16200000">
+            <a:off x="4575301" y="2259494"/>
+            <a:ext cx="265044" cy="344557"/>
+          </a:xfrm>
+          <a:prstGeom prst="chevron">
+            <a:avLst/>
+          </a:prstGeom>
+        </p:spPr>
+        <p:style>
+          <a:lnRef idx="1">
+            <a:schemeClr val="accent1"/>
+          </a:lnRef>
+          <a:fillRef idx="2">
+            <a:schemeClr val="accent1"/>
+          </a:fillRef>
+          <a:effectRef idx="1">
+            <a:schemeClr val="accent1"/>
+          </a:effectRef>
+          <a:fontRef idx="minor">
+            <a:schemeClr val="dk1"/>
+          </a:fontRef>
+        </p:style>
+        <p:txBody>
+          <a:bodyPr rtlCol="0" anchor="ctr"/>
+          <a:lstStyle/>
+          <a:p>
+            <a:pPr algn="ctr"/>
+            <a:endParaRPr lang="en-US">
+              <a:solidFill>
+                <a:schemeClr val="tx1"/>
+              </a:solidFill>
+            </a:endParaRPr>
+          </a:p>
+        </p:txBody>
+      </p:sp>
+      <p:cxnSp>
+        <p:nvCxnSpPr>
+          <p:cNvPr id="25" name="Straight Connector 24"/>
+          <p:cNvCxnSpPr/>
+          <p:nvPr/>
+        </p:nvCxnSpPr>
+        <p:spPr>
+          <a:xfrm flipV="1">
+            <a:off x="4721078" y="1338466"/>
+            <a:ext cx="1" cy="377688"/>
+          </a:xfrm>
+          <a:prstGeom prst="line">
+            <a:avLst/>
+          </a:prstGeom>
+          <a:ln w="19050"/>
+        </p:spPr>
+        <p:style>
+          <a:lnRef idx="1">
+            <a:schemeClr val="accent1"/>
+          </a:lnRef>
+          <a:fillRef idx="0">
+            <a:schemeClr val="accent1"/>
+          </a:fillRef>
+          <a:effectRef idx="0">
+            <a:schemeClr val="accent1"/>
+          </a:effectRef>
+          <a:fontRef idx="minor">
+            <a:schemeClr val="tx1"/>
+          </a:fontRef>
+        </p:style>
+      </p:cxnSp>
+      <p:sp>
+        <p:nvSpPr>
+          <p:cNvPr id="26" name="Chevron 25"/>
+          <p:cNvSpPr/>
+          <p:nvPr/>
+        </p:nvSpPr>
+        <p:spPr>
+          <a:xfrm rot="16200000">
+            <a:off x="4595180" y="1676397"/>
+            <a:ext cx="265044" cy="344557"/>
+          </a:xfrm>
+          <a:prstGeom prst="chevron">
+            <a:avLst/>
+          </a:prstGeom>
+        </p:spPr>
+        <p:style>
+          <a:lnRef idx="1">
+            <a:schemeClr val="accent1"/>
+          </a:lnRef>
+          <a:fillRef idx="2">
+            <a:schemeClr val="accent1"/>
+          </a:fillRef>
+          <a:effectRef idx="1">
+            <a:schemeClr val="accent1"/>
+          </a:effectRef>
+          <a:fontRef idx="minor">
+            <a:schemeClr val="dk1"/>
+          </a:fontRef>
+        </p:style>
+        <p:txBody>
+          <a:bodyPr rtlCol="0" anchor="ctr"/>
+          <a:lstStyle/>
+          <a:p>
+            <a:pPr algn="ctr"/>
+            <a:endParaRPr lang="en-US">
+              <a:solidFill>
+                <a:schemeClr val="tx1"/>
+              </a:solidFill>
+            </a:endParaRPr>
+          </a:p>
+        </p:txBody>
+      </p:sp>
+      <p:cxnSp>
+        <p:nvCxnSpPr>
+          <p:cNvPr id="27" name="Straight Connector 26"/>
+          <p:cNvCxnSpPr>
+            <a:stCxn id="52" idx="1"/>
+            <a:endCxn id="11" idx="3"/>
+          </p:cNvCxnSpPr>
+          <p:nvPr/>
+        </p:nvCxnSpPr>
+        <p:spPr>
+          <a:xfrm flipH="1" flipV="1">
+            <a:off x="5373755" y="1020418"/>
+            <a:ext cx="182219" cy="488"/>
+          </a:xfrm>
+          <a:prstGeom prst="line">
+            <a:avLst/>
+          </a:prstGeom>
+          <a:ln w="19050"/>
+        </p:spPr>
+        <p:style>
+          <a:lnRef idx="1">
+            <a:schemeClr val="accent1"/>
+          </a:lnRef>
+          <a:fillRef idx="0">
+            <a:schemeClr val="accent1"/>
+          </a:fillRef>
+          <a:effectRef idx="0">
+            <a:schemeClr val="accent1"/>
+          </a:effectRef>
+          <a:fontRef idx="minor">
+            <a:schemeClr val="tx1"/>
+          </a:fontRef>
+        </p:style>
+      </p:cxnSp>
+      <p:sp>
+        <p:nvSpPr>
+          <p:cNvPr id="28" name="Rectangle 27"/>
+          <p:cNvSpPr/>
+          <p:nvPr/>
+        </p:nvSpPr>
+        <p:spPr>
+          <a:xfrm>
+            <a:off x="5555974" y="888384"/>
+            <a:ext cx="238539" cy="265043"/>
+          </a:xfrm>
+          <a:prstGeom prst="rect">
+            <a:avLst/>
+          </a:prstGeom>
+        </p:spPr>
+        <p:style>
+          <a:lnRef idx="1">
+            <a:schemeClr val="accent1"/>
+          </a:lnRef>
+          <a:fillRef idx="2">
+            <a:schemeClr val="accent1"/>
+          </a:fillRef>
+          <a:effectRef idx="1">
+            <a:schemeClr val="accent1"/>
+          </a:effectRef>
+          <a:fontRef idx="minor">
+            <a:schemeClr val="dk1"/>
+          </a:fontRef>
+        </p:style>
+        <p:txBody>
+          <a:bodyPr rtlCol="0" anchor="ctr"/>
+          <a:lstStyle/>
+          <a:p>
+            <a:pPr algn="ctr"/>
+            <a:endParaRPr lang="en-US"/>
+          </a:p>
+        </p:txBody>
+      </p:sp>
+      <p:sp>
+        <p:nvSpPr>
+          <p:cNvPr id="29" name="Right Bracket 28"/>
+          <p:cNvSpPr/>
+          <p:nvPr/>
+        </p:nvSpPr>
+        <p:spPr>
+          <a:xfrm>
+            <a:off x="6873842" y="840890"/>
+            <a:ext cx="198782" cy="364435"/>
+          </a:xfrm>
+          <a:prstGeom prst="rightBracket">
+            <a:avLst/>
+          </a:prstGeom>
+          <a:noFill/>
+          <a:ln w="19050"/>
+        </p:spPr>
+        <p:style>
+          <a:lnRef idx="1">
+            <a:schemeClr val="accent1"/>
+          </a:lnRef>
+          <a:fillRef idx="2">
+            <a:schemeClr val="accent1"/>
+          </a:fillRef>
+          <a:effectRef idx="1">
+            <a:schemeClr val="accent1"/>
+          </a:effectRef>
+          <a:fontRef idx="minor">
+            <a:schemeClr val="dk1"/>
+          </a:fontRef>
+        </p:style>
+        <p:txBody>
+          <a:bodyPr rtlCol="0" anchor="ctr"/>
+          <a:lstStyle/>
+          <a:p>
+            <a:pPr algn="ctr"/>
+            <a:endParaRPr lang="en-US"/>
+          </a:p>
+        </p:txBody>
+      </p:sp>
+      <p:cxnSp>
+        <p:nvCxnSpPr>
+          <p:cNvPr id="30" name="Straight Connector 29"/>
+          <p:cNvCxnSpPr/>
+          <p:nvPr/>
+        </p:nvCxnSpPr>
+        <p:spPr>
+          <a:xfrm flipV="1">
+            <a:off x="7072624" y="1018814"/>
+            <a:ext cx="420758" cy="4294"/>
+          </a:xfrm>
+          <a:prstGeom prst="line">
+            <a:avLst/>
+          </a:prstGeom>
+          <a:ln w="19050"/>
+        </p:spPr>
+        <p:style>
+          <a:lnRef idx="1">
+            <a:schemeClr val="accent1"/>
+          </a:lnRef>
+          <a:fillRef idx="0">
+            <a:schemeClr val="accent1"/>
+          </a:fillRef>
+          <a:effectRef idx="0">
+            <a:schemeClr val="accent1"/>
+          </a:effectRef>
+          <a:fontRef idx="minor">
+            <a:schemeClr val="tx1"/>
+          </a:fontRef>
+        </p:style>
+      </p:cxnSp>
+      <p:cxnSp>
+        <p:nvCxnSpPr>
+          <p:cNvPr id="31" name="Straight Connector 30"/>
+          <p:cNvCxnSpPr/>
+          <p:nvPr/>
+        </p:nvCxnSpPr>
+        <p:spPr>
+          <a:xfrm flipH="1">
+            <a:off x="7619026" y="1372727"/>
+            <a:ext cx="288622" cy="417424"/>
+          </a:xfrm>
+          <a:prstGeom prst="line">
+            <a:avLst/>
+          </a:prstGeom>
+          <a:ln w="19050"/>
+        </p:spPr>
+        <p:style>
+          <a:lnRef idx="1">
+            <a:schemeClr val="accent1"/>
+          </a:lnRef>
+          <a:fillRef idx="0">
+            <a:schemeClr val="accent1"/>
+          </a:fillRef>
+          <a:effectRef idx="0">
+            <a:schemeClr val="accent1"/>
+          </a:effectRef>
+          <a:fontRef idx="minor">
+            <a:schemeClr val="tx1"/>
+          </a:fontRef>
+        </p:style>
+      </p:cxnSp>
+      <p:sp>
+        <p:nvSpPr>
+          <p:cNvPr id="32" name="Block Arc 31"/>
+          <p:cNvSpPr/>
+          <p:nvPr/>
+        </p:nvSpPr>
+        <p:spPr>
+          <a:xfrm rot="1938365">
+            <a:off x="7312765" y="1697492"/>
+            <a:ext cx="434009" cy="318048"/>
+          </a:xfrm>
+          <a:prstGeom prst="blockArc">
+            <a:avLst/>
+          </a:prstGeom>
+        </p:spPr>
+        <p:style>
+          <a:lnRef idx="1">
+            <a:schemeClr val="accent1"/>
+          </a:lnRef>
+          <a:fillRef idx="2">
+            <a:schemeClr val="accent1"/>
+          </a:fillRef>
+          <a:effectRef idx="1">
+            <a:schemeClr val="accent1"/>
+          </a:effectRef>
+          <a:fontRef idx="minor">
+            <a:schemeClr val="dk1"/>
+          </a:fontRef>
+        </p:style>
+        <p:txBody>
+          <a:bodyPr rtlCol="0" anchor="ctr"/>
+          <a:lstStyle/>
+          <a:p>
+            <a:pPr algn="ctr"/>
+            <a:endParaRPr lang="en-US">
+              <a:solidFill>
+                <a:schemeClr val="tx1"/>
+              </a:solidFill>
+            </a:endParaRPr>
+          </a:p>
+        </p:txBody>
+      </p:sp>
+      <p:cxnSp>
+        <p:nvCxnSpPr>
+          <p:cNvPr id="33" name="Straight Arrow Connector 32"/>
+          <p:cNvCxnSpPr/>
+          <p:nvPr/>
+        </p:nvCxnSpPr>
+        <p:spPr>
+          <a:xfrm flipV="1">
+            <a:off x="8716924" y="3970912"/>
+            <a:ext cx="0" cy="569838"/>
+          </a:xfrm>
+          <a:prstGeom prst="straightConnector1">
+            <a:avLst/>
+          </a:prstGeom>
+          <a:ln w="22225">
+            <a:solidFill>
+              <a:schemeClr val="tx2"/>
+            </a:solidFill>
+            <a:prstDash val="sysDash"/>
+            <a:tailEnd type="triangle"/>
+          </a:ln>
+        </p:spPr>
+        <p:style>
+          <a:lnRef idx="1">
+            <a:schemeClr val="accent1"/>
+          </a:lnRef>
+          <a:fillRef idx="0">
+            <a:schemeClr val="accent1"/>
+          </a:fillRef>
+          <a:effectRef idx="0">
+            <a:schemeClr val="accent1"/>
+          </a:effectRef>
+          <a:fontRef idx="minor">
+            <a:schemeClr val="tx1"/>
+          </a:fontRef>
+        </p:style>
+      </p:cxnSp>
+      <p:cxnSp>
+        <p:nvCxnSpPr>
+          <p:cNvPr id="34" name="Straight Arrow Connector 33"/>
+          <p:cNvCxnSpPr>
+            <a:stCxn id="42" idx="2"/>
+            <a:endCxn id="28" idx="6"/>
+          </p:cNvCxnSpPr>
+          <p:nvPr/>
+        </p:nvCxnSpPr>
+        <p:spPr>
+          <a:xfrm flipH="1" flipV="1">
+            <a:off x="5900530" y="3054626"/>
+            <a:ext cx="1712845" cy="99393"/>
+          </a:xfrm>
+          <a:prstGeom prst="straightConnector1">
+            <a:avLst/>
+          </a:prstGeom>
+          <a:ln w="22225">
+            <a:solidFill>
+              <a:schemeClr val="tx2"/>
+            </a:solidFill>
+            <a:prstDash val="sysDash"/>
+            <a:tailEnd type="triangle"/>
+          </a:ln>
+        </p:spPr>
+        <p:style>
+          <a:lnRef idx="1">
+            <a:schemeClr val="accent1"/>
+          </a:lnRef>
+          <a:fillRef idx="0">
+            <a:schemeClr val="accent1"/>
+          </a:fillRef>
+          <a:effectRef idx="0">
+            <a:schemeClr val="accent1"/>
+          </a:effectRef>
+          <a:fontRef idx="minor">
+            <a:schemeClr val="tx1"/>
+          </a:fontRef>
+        </p:style>
+      </p:cxnSp>
+      <p:cxnSp>
+        <p:nvCxnSpPr>
+          <p:cNvPr id="35" name="Straight Arrow Connector 34"/>
+          <p:cNvCxnSpPr>
+            <a:stCxn id="32" idx="2"/>
+            <a:endCxn id="16" idx="7"/>
+          </p:cNvCxnSpPr>
+          <p:nvPr/>
+        </p:nvCxnSpPr>
+        <p:spPr>
+          <a:xfrm flipH="1">
+            <a:off x="5880790" y="1856516"/>
+            <a:ext cx="1648980" cy="1106886"/>
+          </a:xfrm>
+          <a:prstGeom prst="straightConnector1">
+            <a:avLst/>
+          </a:prstGeom>
+          <a:ln w="22225">
+            <a:solidFill>
+              <a:schemeClr val="tx2"/>
+            </a:solidFill>
+            <a:prstDash val="sysDash"/>
+            <a:tailEnd type="triangle"/>
+          </a:ln>
+        </p:spPr>
+        <p:style>
+          <a:lnRef idx="1">
+            <a:schemeClr val="accent1"/>
+          </a:lnRef>
+          <a:fillRef idx="0">
+            <a:schemeClr val="accent1"/>
+          </a:fillRef>
+          <a:effectRef idx="0">
+            <a:schemeClr val="accent1"/>
+          </a:effectRef>
+          <a:fontRef idx="minor">
+            <a:schemeClr val="tx1"/>
+          </a:fontRef>
+        </p:style>
+      </p:cxnSp>
+      <p:cxnSp>
+        <p:nvCxnSpPr>
+          <p:cNvPr id="36" name="Straight Arrow Connector 35"/>
+          <p:cNvCxnSpPr/>
+          <p:nvPr/>
+        </p:nvCxnSpPr>
+        <p:spPr>
+          <a:xfrm flipV="1">
+            <a:off x="4717763" y="1967760"/>
+            <a:ext cx="9939" cy="278389"/>
+          </a:xfrm>
+          <a:prstGeom prst="straightConnector1">
+            <a:avLst/>
+          </a:prstGeom>
+          <a:ln w="22225">
+            <a:solidFill>
+              <a:schemeClr val="tx2"/>
+            </a:solidFill>
+            <a:prstDash val="sysDash"/>
+            <a:tailEnd type="triangle"/>
+          </a:ln>
+        </p:spPr>
+        <p:style>
+          <a:lnRef idx="1">
+            <a:schemeClr val="accent1"/>
+          </a:lnRef>
+          <a:fillRef idx="0">
+            <a:schemeClr val="accent1"/>
+          </a:fillRef>
+          <a:effectRef idx="0">
+            <a:schemeClr val="accent1"/>
+          </a:effectRef>
+          <a:fontRef idx="minor">
+            <a:schemeClr val="tx1"/>
+          </a:fontRef>
+        </p:style>
+      </p:cxnSp>
+      <p:cxnSp>
+        <p:nvCxnSpPr>
+          <p:cNvPr id="37" name="Straight Arrow Connector 36"/>
+          <p:cNvCxnSpPr>
+            <a:stCxn id="29" idx="2"/>
+          </p:cNvCxnSpPr>
+          <p:nvPr/>
+        </p:nvCxnSpPr>
+        <p:spPr>
+          <a:xfrm flipH="1">
+            <a:off x="5867539" y="1023108"/>
+            <a:ext cx="1205085" cy="25470"/>
+          </a:xfrm>
+          <a:prstGeom prst="straightConnector1">
+            <a:avLst/>
+          </a:prstGeom>
+          <a:ln w="22225">
+            <a:solidFill>
+              <a:schemeClr val="tx2"/>
+            </a:solidFill>
+            <a:prstDash val="sysDash"/>
+            <a:tailEnd type="triangle"/>
+          </a:ln>
+        </p:spPr>
+        <p:style>
+          <a:lnRef idx="1">
+            <a:schemeClr val="accent1"/>
+          </a:lnRef>
+          <a:fillRef idx="0">
+            <a:schemeClr val="accent1"/>
+          </a:fillRef>
+          <a:effectRef idx="0">
+            <a:schemeClr val="accent1"/>
+          </a:effectRef>
+          <a:fontRef idx="minor">
+            <a:schemeClr val="tx1"/>
+          </a:fontRef>
+        </p:style>
+      </p:cxnSp>
+      <p:cxnSp>
+        <p:nvCxnSpPr>
+          <p:cNvPr id="38" name="Straight Arrow Connector 37"/>
+          <p:cNvCxnSpPr/>
+          <p:nvPr/>
+        </p:nvCxnSpPr>
+        <p:spPr>
+          <a:xfrm>
+            <a:off x="4727702" y="3839820"/>
+            <a:ext cx="2726648" cy="1514054"/>
+          </a:xfrm>
+          <a:prstGeom prst="straightConnector1">
+            <a:avLst/>
+          </a:prstGeom>
+          <a:ln w="22225">
+            <a:solidFill>
+              <a:schemeClr val="tx2"/>
+            </a:solidFill>
+            <a:prstDash val="sysDash"/>
+            <a:tailEnd type="triangle"/>
+          </a:ln>
+        </p:spPr>
+        <p:style>
+          <a:lnRef idx="1">
+            <a:schemeClr val="accent1"/>
+          </a:lnRef>
+          <a:fillRef idx="0">
+            <a:schemeClr val="accent1"/>
+          </a:fillRef>
+          <a:effectRef idx="0">
+            <a:schemeClr val="accent1"/>
+          </a:effectRef>
+          <a:fontRef idx="minor">
+            <a:schemeClr val="tx1"/>
+          </a:fontRef>
+        </p:style>
+      </p:cxnSp>
+      <p:sp>
+        <p:nvSpPr>
+          <p:cNvPr id="39" name="TextBox 38"/>
+          <p:cNvSpPr txBox="1"/>
+          <p:nvPr/>
+        </p:nvSpPr>
+        <p:spPr>
+          <a:xfrm>
+            <a:off x="5390441" y="3162391"/>
+            <a:ext cx="1129027" cy="646331"/>
+          </a:xfrm>
+          <a:prstGeom prst="rect">
+            <a:avLst/>
+          </a:prstGeom>
+          <a:noFill/>
+        </p:spPr>
+        <p:txBody>
+          <a:bodyPr wrap="none" rtlCol="0">
+            <a:spAutoFit/>
+          </a:bodyPr>
+          <a:lstStyle/>
+          <a:p>
+            <a:r>
+              <a:rPr lang="en-US" sz="1200" dirty="0" err="1" smtClean="0"/>
+              <a:t>gRPC</a:t>
+            </a:r>
+            <a:r>
+              <a:rPr lang="en-US" sz="1200" dirty="0" smtClean="0"/>
+              <a:t> service</a:t>
+            </a:r>
+            <a:endParaRPr lang="en-US" sz="1200" dirty="0" smtClean="0"/>
+          </a:p>
+          <a:p>
+            <a:r>
+              <a:rPr lang="en-US" sz="1200" dirty="0" smtClean="0"/>
+              <a:t>to buy and sell </a:t>
+            </a:r>
+          </a:p>
+          <a:p>
+            <a:r>
+              <a:rPr lang="en-US" sz="1200" dirty="0" smtClean="0"/>
+              <a:t>stocks</a:t>
+            </a:r>
+            <a:endParaRPr lang="en-US" sz="1200" dirty="0"/>
+          </a:p>
+        </p:txBody>
+      </p:sp>
+      <p:sp>
+        <p:nvSpPr>
+          <p:cNvPr id="40" name="TextBox 39"/>
+          <p:cNvSpPr txBox="1"/>
+          <p:nvPr/>
+        </p:nvSpPr>
+        <p:spPr>
+          <a:xfrm>
+            <a:off x="8898829" y="4500189"/>
+            <a:ext cx="1232838" cy="461665"/>
+          </a:xfrm>
+          <a:prstGeom prst="rect">
+            <a:avLst/>
+          </a:prstGeom>
+          <a:noFill/>
+        </p:spPr>
+        <p:txBody>
+          <a:bodyPr wrap="none" rtlCol="0">
+            <a:spAutoFit/>
+          </a:bodyPr>
+          <a:lstStyle/>
+          <a:p>
+            <a:r>
+              <a:rPr lang="en-US" sz="1200" dirty="0" smtClean="0"/>
+              <a:t>Message Source </a:t>
+            </a:r>
+          </a:p>
+          <a:p>
+            <a:r>
+              <a:rPr lang="en-US" sz="1200" dirty="0" smtClean="0"/>
+              <a:t>sending quotes</a:t>
+            </a:r>
+            <a:endParaRPr lang="en-US" sz="1200" dirty="0"/>
+          </a:p>
+        </p:txBody>
+      </p:sp>
+      <p:sp>
+        <p:nvSpPr>
+          <p:cNvPr id="41" name="TextBox 40"/>
+          <p:cNvSpPr txBox="1"/>
+          <p:nvPr/>
+        </p:nvSpPr>
+        <p:spPr>
+          <a:xfrm>
+            <a:off x="6864915" y="5505988"/>
+            <a:ext cx="1320811" cy="646331"/>
+          </a:xfrm>
+          <a:prstGeom prst="rect">
+            <a:avLst/>
+          </a:prstGeom>
+          <a:noFill/>
+        </p:spPr>
+        <p:txBody>
+          <a:bodyPr wrap="none" rtlCol="0">
+            <a:spAutoFit/>
+          </a:bodyPr>
+          <a:lstStyle/>
+          <a:p>
+            <a:r>
+              <a:rPr lang="en-US" sz="1200" dirty="0" smtClean="0"/>
+              <a:t>HTTP endpoint</a:t>
+            </a:r>
+          </a:p>
+          <a:p>
+            <a:r>
+              <a:rPr lang="en-US" sz="1200" dirty="0" smtClean="0"/>
+              <a:t>to get the current </a:t>
+            </a:r>
+          </a:p>
+          <a:p>
+            <a:r>
+              <a:rPr lang="en-US" sz="1200" dirty="0" smtClean="0"/>
+              <a:t>value</a:t>
+            </a:r>
+            <a:endParaRPr lang="en-US" sz="1200" dirty="0"/>
+          </a:p>
+        </p:txBody>
+      </p:sp>
+      <p:sp>
+        <p:nvSpPr>
+          <p:cNvPr id="42" name="Can 41"/>
+          <p:cNvSpPr/>
+          <p:nvPr/>
+        </p:nvSpPr>
+        <p:spPr>
+          <a:xfrm>
+            <a:off x="2969427" y="798765"/>
+            <a:ext cx="308009" cy="425238"/>
+          </a:xfrm>
+          <a:prstGeom prst="can">
+            <a:avLst/>
+          </a:prstGeom>
+        </p:spPr>
+        <p:style>
+          <a:lnRef idx="2">
+            <a:schemeClr val="accent1">
+              <a:shade val="50000"/>
+            </a:schemeClr>
+          </a:lnRef>
+          <a:fillRef idx="1">
+            <a:schemeClr val="accent1"/>
+          </a:fillRef>
+          <a:effectRef idx="0">
+            <a:schemeClr val="accent1"/>
+          </a:effectRef>
+          <a:fontRef idx="minor">
+            <a:schemeClr val="lt1"/>
+          </a:fontRef>
+        </p:style>
+        <p:txBody>
+          <a:bodyPr rtlCol="0" anchor="ctr"/>
+          <a:lstStyle/>
+          <a:p>
+            <a:pPr algn="ctr"/>
+            <a:endParaRPr lang="en-US"/>
+          </a:p>
+        </p:txBody>
+      </p:sp>
+      <p:cxnSp>
+        <p:nvCxnSpPr>
+          <p:cNvPr id="43" name="Straight Arrow Connector 42"/>
+          <p:cNvCxnSpPr>
+            <a:stCxn id="11" idx="1"/>
+          </p:cNvCxnSpPr>
+          <p:nvPr/>
+        </p:nvCxnSpPr>
+        <p:spPr>
+          <a:xfrm flipH="1" flipV="1">
+            <a:off x="3277436" y="1011384"/>
+            <a:ext cx="824110" cy="9034"/>
+          </a:xfrm>
+          <a:prstGeom prst="straightConnector1">
+            <a:avLst/>
+          </a:prstGeom>
+          <a:ln w="22225">
+            <a:solidFill>
+              <a:schemeClr val="tx2"/>
+            </a:solidFill>
+            <a:prstDash val="sysDash"/>
+            <a:tailEnd type="triangle"/>
+          </a:ln>
+        </p:spPr>
+        <p:style>
+          <a:lnRef idx="1">
+            <a:schemeClr val="accent1"/>
+          </a:lnRef>
+          <a:fillRef idx="0">
+            <a:schemeClr val="accent1"/>
+          </a:fillRef>
+          <a:effectRef idx="0">
+            <a:schemeClr val="accent1"/>
+          </a:effectRef>
+          <a:fontRef idx="minor">
+            <a:schemeClr val="tx1"/>
+          </a:fontRef>
+        </p:style>
+      </p:cxnSp>
+      <p:sp>
+        <p:nvSpPr>
+          <p:cNvPr id="44" name="TextBox 43"/>
+          <p:cNvSpPr txBox="1"/>
+          <p:nvPr/>
+        </p:nvSpPr>
+        <p:spPr>
+          <a:xfrm>
+            <a:off x="2560086" y="1269722"/>
+            <a:ext cx="1123962" cy="276999"/>
+          </a:xfrm>
+          <a:prstGeom prst="rect">
+            <a:avLst/>
+          </a:prstGeom>
+          <a:noFill/>
+        </p:spPr>
+        <p:txBody>
+          <a:bodyPr wrap="none" rtlCol="0">
+            <a:spAutoFit/>
+          </a:bodyPr>
+          <a:lstStyle/>
+          <a:p>
+            <a:r>
+              <a:rPr lang="en-US" sz="1200" smtClean="0"/>
+              <a:t>Audit database</a:t>
+            </a:r>
+            <a:endParaRPr lang="en-US" sz="1200" dirty="0"/>
+          </a:p>
+        </p:txBody>
+      </p:sp>
+      <p:sp>
+        <p:nvSpPr>
+          <p:cNvPr id="45" name="TextBox 44"/>
+          <p:cNvSpPr txBox="1"/>
+          <p:nvPr/>
+        </p:nvSpPr>
+        <p:spPr>
+          <a:xfrm>
+            <a:off x="2996897" y="2173819"/>
+            <a:ext cx="1385636" cy="461665"/>
+          </a:xfrm>
+          <a:prstGeom prst="rect">
+            <a:avLst/>
+          </a:prstGeom>
+          <a:noFill/>
+        </p:spPr>
+        <p:txBody>
+          <a:bodyPr wrap="none" rtlCol="0">
+            <a:spAutoFit/>
+          </a:bodyPr>
+          <a:lstStyle/>
+          <a:p>
+            <a:r>
+              <a:rPr lang="en-US" sz="1200" dirty="0" smtClean="0"/>
+              <a:t>Message Source</a:t>
+            </a:r>
+          </a:p>
+          <a:p>
+            <a:r>
+              <a:rPr lang="en-US" sz="1200" dirty="0" smtClean="0"/>
+              <a:t>Sending operations</a:t>
+            </a:r>
+            <a:endParaRPr lang="en-US" sz="1200" dirty="0"/>
+          </a:p>
+        </p:txBody>
+      </p:sp>
+      <p:sp>
+        <p:nvSpPr>
+          <p:cNvPr id="46" name="TextBox 45"/>
+          <p:cNvSpPr txBox="1"/>
+          <p:nvPr/>
+        </p:nvSpPr>
+        <p:spPr>
+          <a:xfrm>
+            <a:off x="5361461" y="313223"/>
+            <a:ext cx="1549207" cy="461665"/>
+          </a:xfrm>
+          <a:prstGeom prst="rect">
+            <a:avLst/>
+          </a:prstGeom>
+          <a:noFill/>
+        </p:spPr>
+        <p:txBody>
+          <a:bodyPr wrap="none" rtlCol="0">
+            <a:spAutoFit/>
+          </a:bodyPr>
+          <a:lstStyle/>
+          <a:p>
+            <a:r>
+              <a:rPr lang="en-US" sz="1200" dirty="0" smtClean="0"/>
+              <a:t>HTTP endpoint to </a:t>
+            </a:r>
+            <a:r>
+              <a:rPr lang="en-US" sz="1200" smtClean="0"/>
+              <a:t>get </a:t>
+            </a:r>
+          </a:p>
+          <a:p>
+            <a:r>
+              <a:rPr lang="en-US" sz="1200" dirty="0" smtClean="0"/>
+              <a:t>the last operations</a:t>
+            </a:r>
+            <a:endParaRPr lang="en-US" sz="1200" dirty="0"/>
+          </a:p>
+        </p:txBody>
+      </p:sp>
+      <p:sp>
+        <p:nvSpPr>
+          <p:cNvPr id="47" name="Rounded Rectangle 46"/>
+          <p:cNvSpPr/>
+          <p:nvPr/>
+        </p:nvSpPr>
+        <p:spPr>
+          <a:xfrm>
+            <a:off x="4101546" y="655983"/>
+            <a:ext cx="1272209" cy="728870"/>
+          </a:xfrm>
+          <a:prstGeom prst="roundRect">
+            <a:avLst/>
+          </a:prstGeom>
+        </p:spPr>
+        <p:style>
+          <a:lnRef idx="1">
+            <a:schemeClr val="accent2"/>
+          </a:lnRef>
+          <a:fillRef idx="2">
+            <a:schemeClr val="accent2"/>
+          </a:fillRef>
+          <a:effectRef idx="1">
+            <a:schemeClr val="accent2"/>
+          </a:effectRef>
+          <a:fontRef idx="minor">
+            <a:schemeClr val="dk1"/>
+          </a:fontRef>
+        </p:style>
+        <p:txBody>
+          <a:bodyPr rtlCol="0" anchor="ctr"/>
+          <a:lstStyle/>
+          <a:p>
+            <a:pPr algn="ctr"/>
+            <a:r>
+              <a:rPr lang="en-US" dirty="0" smtClean="0"/>
+              <a:t>Audit</a:t>
+            </a:r>
+            <a:endParaRPr lang="en-US" dirty="0"/>
+          </a:p>
+        </p:txBody>
+      </p:sp>
+      <p:sp>
+        <p:nvSpPr>
+          <p:cNvPr id="48" name="Chevron 47"/>
+          <p:cNvSpPr/>
+          <p:nvPr/>
+        </p:nvSpPr>
+        <p:spPr>
+          <a:xfrm rot="10954557">
+            <a:off x="2256842" y="4636825"/>
+            <a:ext cx="265044" cy="344557"/>
+          </a:xfrm>
+          <a:prstGeom prst="chevron">
+            <a:avLst/>
+          </a:prstGeom>
+        </p:spPr>
+        <p:style>
+          <a:lnRef idx="1">
+            <a:schemeClr val="accent1"/>
+          </a:lnRef>
+          <a:fillRef idx="2">
+            <a:schemeClr val="accent1"/>
+          </a:fillRef>
+          <a:effectRef idx="1">
+            <a:schemeClr val="accent1"/>
+          </a:effectRef>
+          <a:fontRef idx="minor">
+            <a:schemeClr val="dk1"/>
+          </a:fontRef>
+        </p:style>
+        <p:txBody>
+          <a:bodyPr rtlCol="0" anchor="ctr"/>
+          <a:lstStyle/>
+          <a:p>
+            <a:pPr algn="ctr"/>
+            <a:endParaRPr lang="en-US">
+              <a:solidFill>
+                <a:schemeClr val="tx1"/>
+              </a:solidFill>
+            </a:endParaRPr>
+          </a:p>
+        </p:txBody>
+      </p:sp>
+      <p:grpSp>
+        <p:nvGrpSpPr>
+          <p:cNvPr id="49" name="Group 48"/>
+          <p:cNvGrpSpPr/>
+          <p:nvPr/>
+        </p:nvGrpSpPr>
+        <p:grpSpPr>
+          <a:xfrm rot="10800000">
+            <a:off x="2083839" y="4237039"/>
+            <a:ext cx="437318" cy="344557"/>
+            <a:chOff x="1819232" y="4026435"/>
+            <a:chExt cx="437318" cy="344557"/>
+          </a:xfrm>
+        </p:grpSpPr>
+        <p:sp>
+          <p:nvSpPr>
+            <p:cNvPr id="50" name="Chevron 49"/>
+            <p:cNvSpPr/>
+            <p:nvPr/>
+          </p:nvSpPr>
+          <p:spPr>
+            <a:xfrm rot="10800000">
+              <a:off x="1819232" y="4026435"/>
+              <a:ext cx="265044" cy="344557"/>
+            </a:xfrm>
+            <a:prstGeom prst="chevron">
+              <a:avLst/>
+            </a:prstGeom>
+          </p:spPr>
+          <p:style>
+            <a:lnRef idx="1">
+              <a:schemeClr val="accent1"/>
+            </a:lnRef>
+            <a:fillRef idx="2">
+              <a:schemeClr val="accent1"/>
+            </a:fillRef>
+            <a:effectRef idx="1">
+              <a:schemeClr val="accent1"/>
+            </a:effectRef>
+            <a:fontRef idx="minor">
+              <a:schemeClr val="dk1"/>
+            </a:fontRef>
+          </p:style>
+          <p:txBody>
+            <a:bodyPr rtlCol="0" anchor="ctr"/>
+            <a:lstStyle/>
+            <a:p>
+              <a:pPr algn="ctr"/>
+              <a:endParaRPr lang="en-US">
+                <a:solidFill>
+                  <a:schemeClr val="tx1"/>
+                </a:solidFill>
+              </a:endParaRPr>
+            </a:p>
+          </p:txBody>
+        </p:sp>
+        <p:cxnSp>
+          <p:nvCxnSpPr>
+            <p:cNvPr id="51" name="Straight Connector 50"/>
+            <p:cNvCxnSpPr/>
+            <p:nvPr/>
+          </p:nvCxnSpPr>
+          <p:spPr>
+            <a:xfrm flipH="1">
+              <a:off x="1951754" y="4198713"/>
+              <a:ext cx="304796" cy="0"/>
+            </a:xfrm>
+            <a:prstGeom prst="line">
+              <a:avLst/>
+            </a:prstGeom>
+            <a:ln w="19050"/>
+          </p:spPr>
+          <p:style>
+            <a:lnRef idx="1">
+              <a:schemeClr val="accent1"/>
+            </a:lnRef>
+            <a:fillRef idx="0">
+              <a:schemeClr val="accent1"/>
+            </a:fillRef>
+            <a:effectRef idx="0">
+              <a:schemeClr val="accent1"/>
+            </a:effectRef>
+            <a:fontRef idx="minor">
+              <a:schemeClr val="tx1"/>
+            </a:fontRef>
+          </p:style>
+        </p:cxnSp>
+      </p:grpSp>
+      <p:grpSp>
+        <p:nvGrpSpPr>
+          <p:cNvPr id="52" name="Group 51"/>
+          <p:cNvGrpSpPr/>
+          <p:nvPr/>
+        </p:nvGrpSpPr>
+        <p:grpSpPr>
+          <a:xfrm rot="10800000">
+            <a:off x="2086393" y="5024530"/>
+            <a:ext cx="561754" cy="434009"/>
+            <a:chOff x="1794509" y="4792896"/>
+            <a:chExt cx="561754" cy="434009"/>
+          </a:xfrm>
+        </p:grpSpPr>
+        <p:sp>
+          <p:nvSpPr>
+            <p:cNvPr id="53" name="Block Arc 52"/>
+            <p:cNvSpPr/>
+            <p:nvPr/>
+          </p:nvSpPr>
+          <p:spPr>
+            <a:xfrm rot="5400000">
+              <a:off x="1736528" y="4850877"/>
+              <a:ext cx="434009" cy="318048"/>
+            </a:xfrm>
+            <a:prstGeom prst="blockArc">
+              <a:avLst/>
+            </a:prstGeom>
+          </p:spPr>
+          <p:style>
+            <a:lnRef idx="1">
+              <a:schemeClr val="accent1"/>
+            </a:lnRef>
+            <a:fillRef idx="2">
+              <a:schemeClr val="accent1"/>
+            </a:fillRef>
+            <a:effectRef idx="1">
+              <a:schemeClr val="accent1"/>
+            </a:effectRef>
+            <a:fontRef idx="minor">
+              <a:schemeClr val="dk1"/>
+            </a:fontRef>
+          </p:style>
+          <p:txBody>
+            <a:bodyPr rtlCol="0" anchor="ctr"/>
+            <a:lstStyle/>
+            <a:p>
+              <a:pPr algn="ctr"/>
+              <a:endParaRPr lang="en-US">
+                <a:solidFill>
+                  <a:schemeClr val="tx1"/>
+                </a:solidFill>
+              </a:endParaRPr>
+            </a:p>
+          </p:txBody>
+        </p:sp>
+        <p:cxnSp>
+          <p:nvCxnSpPr>
+            <p:cNvPr id="54" name="Straight Connector 53"/>
+            <p:cNvCxnSpPr/>
+            <p:nvPr/>
+          </p:nvCxnSpPr>
+          <p:spPr>
+            <a:xfrm rot="10800000">
+              <a:off x="2112557" y="5009901"/>
+              <a:ext cx="243706" cy="0"/>
+            </a:xfrm>
+            <a:prstGeom prst="line">
+              <a:avLst/>
+            </a:prstGeom>
+            <a:ln w="19050"/>
+          </p:spPr>
+          <p:style>
+            <a:lnRef idx="1">
+              <a:schemeClr val="accent1"/>
+            </a:lnRef>
+            <a:fillRef idx="0">
+              <a:schemeClr val="accent1"/>
+            </a:fillRef>
+            <a:effectRef idx="0">
+              <a:schemeClr val="accent1"/>
+            </a:effectRef>
+            <a:fontRef idx="minor">
+              <a:schemeClr val="tx1"/>
+            </a:fontRef>
+          </p:style>
+        </p:cxnSp>
+      </p:grpSp>
+      <p:grpSp>
+        <p:nvGrpSpPr>
+          <p:cNvPr id="55" name="Group 54"/>
+          <p:cNvGrpSpPr/>
+          <p:nvPr/>
+        </p:nvGrpSpPr>
+        <p:grpSpPr>
+          <a:xfrm>
+            <a:off x="2072615" y="5543489"/>
+            <a:ext cx="481940" cy="225288"/>
+            <a:chOff x="1900049" y="5332885"/>
+            <a:chExt cx="481940" cy="225288"/>
+          </a:xfrm>
+        </p:grpSpPr>
+        <p:cxnSp>
+          <p:nvCxnSpPr>
+            <p:cNvPr id="56" name="Straight Connector 55"/>
+            <p:cNvCxnSpPr/>
+            <p:nvPr/>
+          </p:nvCxnSpPr>
+          <p:spPr>
+            <a:xfrm flipH="1">
+              <a:off x="1900049" y="5447899"/>
+              <a:ext cx="364435" cy="0"/>
+            </a:xfrm>
+            <a:prstGeom prst="line">
+              <a:avLst/>
+            </a:prstGeom>
+            <a:ln w="16510"/>
+          </p:spPr>
+          <p:style>
+            <a:lnRef idx="1">
+              <a:schemeClr val="accent1"/>
+            </a:lnRef>
+            <a:fillRef idx="0">
+              <a:schemeClr val="accent1"/>
+            </a:fillRef>
+            <a:effectRef idx="0">
+              <a:schemeClr val="accent1"/>
+            </a:effectRef>
+            <a:fontRef idx="minor">
+              <a:schemeClr val="tx1"/>
+            </a:fontRef>
+          </p:style>
+        </p:cxnSp>
+        <p:sp>
+          <p:nvSpPr>
+            <p:cNvPr id="57" name="Oval 56"/>
+            <p:cNvSpPr/>
+            <p:nvPr/>
+          </p:nvSpPr>
+          <p:spPr>
+            <a:xfrm>
+              <a:off x="2156703" y="5332885"/>
+              <a:ext cx="225286" cy="225288"/>
+            </a:xfrm>
+            <a:prstGeom prst="ellipse">
+              <a:avLst/>
+            </a:prstGeom>
+          </p:spPr>
+          <p:style>
+            <a:lnRef idx="1">
+              <a:schemeClr val="accent1"/>
+            </a:lnRef>
+            <a:fillRef idx="2">
+              <a:schemeClr val="accent1"/>
+            </a:fillRef>
+            <a:effectRef idx="1">
+              <a:schemeClr val="accent1"/>
+            </a:effectRef>
+            <a:fontRef idx="minor">
+              <a:schemeClr val="dk1"/>
+            </a:fontRef>
+          </p:style>
+          <p:txBody>
+            <a:bodyPr rtlCol="0" anchor="ctr"/>
+            <a:lstStyle/>
+            <a:p>
+              <a:pPr algn="ctr"/>
+              <a:endParaRPr lang="en-US"/>
+            </a:p>
+          </p:txBody>
+        </p:sp>
+      </p:grpSp>
+      <p:grpSp>
+        <p:nvGrpSpPr>
+          <p:cNvPr id="58" name="Group 57"/>
+          <p:cNvGrpSpPr/>
+          <p:nvPr/>
+        </p:nvGrpSpPr>
+        <p:grpSpPr>
+          <a:xfrm rot="10800000">
+            <a:off x="2080815" y="5866073"/>
+            <a:ext cx="473740" cy="265043"/>
+            <a:chOff x="1846468" y="5597096"/>
+            <a:chExt cx="473740" cy="265043"/>
+          </a:xfrm>
+        </p:grpSpPr>
+        <p:cxnSp>
+          <p:nvCxnSpPr>
+            <p:cNvPr id="59" name="Straight Connector 58"/>
+            <p:cNvCxnSpPr/>
+            <p:nvPr/>
+          </p:nvCxnSpPr>
+          <p:spPr>
+            <a:xfrm rot="10800000">
+              <a:off x="2085008" y="5729614"/>
+              <a:ext cx="235200" cy="4"/>
+            </a:xfrm>
+            <a:prstGeom prst="line">
+              <a:avLst/>
+            </a:prstGeom>
+            <a:ln w="19050"/>
+          </p:spPr>
+          <p:style>
+            <a:lnRef idx="1">
+              <a:schemeClr val="accent1"/>
+            </a:lnRef>
+            <a:fillRef idx="0">
+              <a:schemeClr val="accent1"/>
+            </a:fillRef>
+            <a:effectRef idx="0">
+              <a:schemeClr val="accent1"/>
+            </a:effectRef>
+            <a:fontRef idx="minor">
+              <a:schemeClr val="tx1"/>
+            </a:fontRef>
+          </p:style>
+        </p:cxnSp>
+        <p:sp>
+          <p:nvSpPr>
+            <p:cNvPr id="60" name="Rectangle 59"/>
+            <p:cNvSpPr/>
+            <p:nvPr/>
+          </p:nvSpPr>
+          <p:spPr>
+            <a:xfrm>
+              <a:off x="1846468" y="5597096"/>
+              <a:ext cx="238539" cy="265043"/>
+            </a:xfrm>
+            <a:prstGeom prst="rect">
+              <a:avLst/>
+            </a:prstGeom>
+          </p:spPr>
+          <p:style>
+            <a:lnRef idx="1">
+              <a:schemeClr val="accent1"/>
+            </a:lnRef>
+            <a:fillRef idx="2">
+              <a:schemeClr val="accent1"/>
+            </a:fillRef>
+            <a:effectRef idx="1">
+              <a:schemeClr val="accent1"/>
+            </a:effectRef>
+            <a:fontRef idx="minor">
+              <a:schemeClr val="dk1"/>
+            </a:fontRef>
+          </p:style>
+          <p:txBody>
+            <a:bodyPr rtlCol="0" anchor="ctr"/>
+            <a:lstStyle/>
+            <a:p>
+              <a:pPr algn="ctr"/>
+              <a:endParaRPr lang="en-US"/>
+            </a:p>
+          </p:txBody>
+        </p:sp>
+      </p:grpSp>
+      <p:sp>
+        <p:nvSpPr>
+          <p:cNvPr id="61" name="TextBox 60"/>
+          <p:cNvSpPr txBox="1"/>
+          <p:nvPr/>
+        </p:nvSpPr>
+        <p:spPr>
+          <a:xfrm>
+            <a:off x="2644610" y="4274618"/>
+            <a:ext cx="1197572" cy="276999"/>
+          </a:xfrm>
+          <a:prstGeom prst="rect">
+            <a:avLst/>
+          </a:prstGeom>
+          <a:noFill/>
+        </p:spPr>
+        <p:txBody>
+          <a:bodyPr wrap="none" rtlCol="0">
+            <a:spAutoFit/>
+          </a:bodyPr>
+          <a:lstStyle/>
+          <a:p>
+            <a:r>
+              <a:rPr lang="en-US" sz="1200" dirty="0" smtClean="0"/>
+              <a:t>Message Source</a:t>
+            </a:r>
+            <a:endParaRPr lang="en-US" sz="1200" dirty="0"/>
+          </a:p>
+        </p:txBody>
+      </p:sp>
+      <p:sp>
+        <p:nvSpPr>
+          <p:cNvPr id="62" name="TextBox 61"/>
+          <p:cNvSpPr txBox="1"/>
+          <p:nvPr/>
+        </p:nvSpPr>
+        <p:spPr>
+          <a:xfrm>
+            <a:off x="2647773" y="4668951"/>
+            <a:ext cx="1870833" cy="276999"/>
+          </a:xfrm>
+          <a:prstGeom prst="rect">
+            <a:avLst/>
+          </a:prstGeom>
+          <a:noFill/>
+        </p:spPr>
+        <p:txBody>
+          <a:bodyPr wrap="none" rtlCol="0">
+            <a:spAutoFit/>
+          </a:bodyPr>
+          <a:lstStyle/>
+          <a:p>
+            <a:r>
+              <a:rPr lang="en-US" sz="1200" smtClean="0"/>
+              <a:t>Message Source Consumer</a:t>
+            </a:r>
+            <a:endParaRPr lang="en-US" sz="1200" dirty="0"/>
+          </a:p>
+        </p:txBody>
+      </p:sp>
+      <p:sp>
+        <p:nvSpPr>
+          <p:cNvPr id="63" name="TextBox 62"/>
+          <p:cNvSpPr txBox="1"/>
+          <p:nvPr/>
+        </p:nvSpPr>
+        <p:spPr>
+          <a:xfrm>
+            <a:off x="2649061" y="5107438"/>
+            <a:ext cx="1659237" cy="276999"/>
+          </a:xfrm>
+          <a:prstGeom prst="rect">
+            <a:avLst/>
+          </a:prstGeom>
+          <a:noFill/>
+        </p:spPr>
+        <p:txBody>
+          <a:bodyPr wrap="none" rtlCol="0">
+            <a:spAutoFit/>
+          </a:bodyPr>
+          <a:lstStyle/>
+          <a:p>
+            <a:r>
+              <a:rPr lang="en-US" sz="1200" dirty="0" err="1" smtClean="0"/>
+              <a:t>gRPC</a:t>
+            </a:r>
+            <a:r>
+              <a:rPr lang="en-US" sz="1200" dirty="0" smtClean="0"/>
+              <a:t> </a:t>
+            </a:r>
+            <a:r>
+              <a:rPr lang="en-US" sz="1200" dirty="0" smtClean="0"/>
+              <a:t>Service Consumer</a:t>
+            </a:r>
+            <a:endParaRPr lang="en-US" sz="1200" dirty="0"/>
+          </a:p>
+        </p:txBody>
+      </p:sp>
+      <p:sp>
+        <p:nvSpPr>
+          <p:cNvPr id="64" name="TextBox 63"/>
+          <p:cNvSpPr txBox="1"/>
+          <p:nvPr/>
+        </p:nvSpPr>
+        <p:spPr>
+          <a:xfrm>
+            <a:off x="2647773" y="5523806"/>
+            <a:ext cx="985976" cy="276999"/>
+          </a:xfrm>
+          <a:prstGeom prst="rect">
+            <a:avLst/>
+          </a:prstGeom>
+          <a:noFill/>
+        </p:spPr>
+        <p:txBody>
+          <a:bodyPr wrap="none" rtlCol="0">
+            <a:spAutoFit/>
+          </a:bodyPr>
+          <a:lstStyle/>
+          <a:p>
+            <a:r>
+              <a:rPr lang="en-US" sz="1200" dirty="0" err="1" smtClean="0"/>
+              <a:t>gRPC</a:t>
+            </a:r>
+            <a:r>
+              <a:rPr lang="en-US" sz="1200" dirty="0" smtClean="0"/>
+              <a:t> </a:t>
+            </a:r>
+            <a:r>
+              <a:rPr lang="en-US" sz="1200" dirty="0" smtClean="0"/>
+              <a:t>Service</a:t>
+            </a:r>
+            <a:endParaRPr lang="en-US" sz="1200" dirty="0"/>
+          </a:p>
+        </p:txBody>
+      </p:sp>
+      <p:sp>
+        <p:nvSpPr>
+          <p:cNvPr id="65" name="TextBox 64"/>
+          <p:cNvSpPr txBox="1"/>
+          <p:nvPr/>
+        </p:nvSpPr>
+        <p:spPr>
+          <a:xfrm>
+            <a:off x="2647773" y="5898851"/>
+            <a:ext cx="1787541" cy="276999"/>
+          </a:xfrm>
+          <a:prstGeom prst="rect">
+            <a:avLst/>
+          </a:prstGeom>
+          <a:noFill/>
+        </p:spPr>
+        <p:txBody>
+          <a:bodyPr wrap="none" rtlCol="0">
+            <a:spAutoFit/>
+          </a:bodyPr>
+          <a:lstStyle/>
+          <a:p>
+            <a:r>
+              <a:rPr lang="en-US" sz="1200" dirty="0" smtClean="0"/>
+              <a:t>REST API (</a:t>
+            </a:r>
+            <a:r>
+              <a:rPr lang="en-US" sz="1200" smtClean="0"/>
+              <a:t>HTTP endpoint)</a:t>
+            </a:r>
+            <a:endParaRPr lang="en-US" sz="1200" dirty="0"/>
+          </a:p>
+        </p:txBody>
+      </p:sp>
+      <p:grpSp>
+        <p:nvGrpSpPr>
+          <p:cNvPr id="66" name="Group 65"/>
+          <p:cNvGrpSpPr/>
+          <p:nvPr/>
+        </p:nvGrpSpPr>
+        <p:grpSpPr>
+          <a:xfrm rot="10800000">
+            <a:off x="2072615" y="6222980"/>
+            <a:ext cx="492348" cy="364435"/>
+            <a:chOff x="1819232" y="5994656"/>
+            <a:chExt cx="492348" cy="364435"/>
+          </a:xfrm>
+        </p:grpSpPr>
+        <p:sp>
+          <p:nvSpPr>
+            <p:cNvPr id="67" name="Right Bracket 66"/>
+            <p:cNvSpPr/>
+            <p:nvPr/>
+          </p:nvSpPr>
+          <p:spPr>
+            <a:xfrm>
+              <a:off x="1819232" y="5994656"/>
+              <a:ext cx="198782" cy="364435"/>
+            </a:xfrm>
+            <a:prstGeom prst="rightBracket">
+              <a:avLst/>
+            </a:prstGeom>
+            <a:noFill/>
+            <a:ln w="19050"/>
+          </p:spPr>
+          <p:style>
+            <a:lnRef idx="1">
+              <a:schemeClr val="accent1"/>
+            </a:lnRef>
+            <a:fillRef idx="2">
+              <a:schemeClr val="accent1"/>
+            </a:fillRef>
+            <a:effectRef idx="1">
+              <a:schemeClr val="accent1"/>
+            </a:effectRef>
+            <a:fontRef idx="minor">
+              <a:schemeClr val="dk1"/>
+            </a:fontRef>
+          </p:style>
+          <p:txBody>
+            <a:bodyPr rtlCol="0" anchor="ctr"/>
+            <a:lstStyle/>
+            <a:p>
+              <a:pPr algn="ctr"/>
+              <a:endParaRPr lang="en-US"/>
+            </a:p>
+          </p:txBody>
+        </p:sp>
+        <p:cxnSp>
+          <p:nvCxnSpPr>
+            <p:cNvPr id="68" name="Straight Connector 67"/>
+            <p:cNvCxnSpPr/>
+            <p:nvPr/>
+          </p:nvCxnSpPr>
+          <p:spPr>
+            <a:xfrm rot="10800000" flipH="1">
+              <a:off x="2018013" y="6176874"/>
+              <a:ext cx="293567" cy="0"/>
+            </a:xfrm>
+            <a:prstGeom prst="line">
+              <a:avLst/>
+            </a:prstGeom>
+            <a:ln w="19050"/>
+          </p:spPr>
+          <p:style>
+            <a:lnRef idx="1">
+              <a:schemeClr val="accent1"/>
+            </a:lnRef>
+            <a:fillRef idx="0">
+              <a:schemeClr val="accent1"/>
+            </a:fillRef>
+            <a:effectRef idx="0">
+              <a:schemeClr val="accent1"/>
+            </a:effectRef>
+            <a:fontRef idx="minor">
+              <a:schemeClr val="tx1"/>
+            </a:fontRef>
+          </p:style>
+        </p:cxnSp>
+      </p:grpSp>
+      <p:sp>
+        <p:nvSpPr>
+          <p:cNvPr id="69" name="TextBox 68"/>
+          <p:cNvSpPr txBox="1"/>
+          <p:nvPr/>
+        </p:nvSpPr>
+        <p:spPr>
+          <a:xfrm>
+            <a:off x="2648148" y="6266697"/>
+            <a:ext cx="1403846" cy="276999"/>
+          </a:xfrm>
+          <a:prstGeom prst="rect">
+            <a:avLst/>
+          </a:prstGeom>
+          <a:noFill/>
+        </p:spPr>
+        <p:txBody>
+          <a:bodyPr wrap="none" rtlCol="0">
+            <a:spAutoFit/>
+          </a:bodyPr>
+          <a:lstStyle/>
+          <a:p>
+            <a:r>
+              <a:rPr lang="en-US" sz="1200" dirty="0" smtClean="0"/>
+              <a:t>REST </a:t>
+            </a:r>
+            <a:r>
+              <a:rPr lang="en-US" sz="1200" smtClean="0"/>
+              <a:t>API Consumer</a:t>
+            </a:r>
+            <a:endParaRPr lang="en-US" sz="1200" dirty="0"/>
+          </a:p>
+        </p:txBody>
+      </p:sp>
+      <p:sp>
+        <p:nvSpPr>
+          <p:cNvPr id="70" name="Rounded Rectangle 69"/>
+          <p:cNvSpPr/>
+          <p:nvPr/>
+        </p:nvSpPr>
+        <p:spPr>
+          <a:xfrm>
+            <a:off x="1828943" y="4041366"/>
+            <a:ext cx="3205069" cy="2734235"/>
+          </a:xfrm>
+          <a:prstGeom prst="roundRect">
+            <a:avLst/>
+          </a:prstGeom>
+          <a:noFill/>
+        </p:spPr>
+        <p:style>
+          <a:lnRef idx="2">
+            <a:schemeClr val="accent1">
+              <a:shade val="50000"/>
+            </a:schemeClr>
+          </a:lnRef>
+          <a:fillRef idx="1">
+            <a:schemeClr val="accent1"/>
+          </a:fillRef>
+          <a:effectRef idx="0">
+            <a:schemeClr val="accent1"/>
+          </a:effectRef>
+          <a:fontRef idx="minor">
+            <a:schemeClr val="lt1"/>
+          </a:fontRef>
+        </p:style>
+        <p:txBody>
+          <a:bodyPr rtlCol="0" anchor="ctr"/>
+          <a:lstStyle/>
+          <a:p>
+            <a:pPr algn="ctr"/>
+            <a:endParaRPr lang="en-US"/>
+          </a:p>
+        </p:txBody>
+      </p:sp>
+      <p:sp>
+        <p:nvSpPr>
+          <p:cNvPr id="72" name="Rounded Rectangle 71"/>
+          <p:cNvSpPr/>
+          <p:nvPr/>
+        </p:nvSpPr>
+        <p:spPr>
+          <a:xfrm>
+            <a:off x="10677930" y="2635484"/>
+            <a:ext cx="1272209" cy="821823"/>
+          </a:xfrm>
+          <a:prstGeom prst="roundRect">
+            <a:avLst/>
+          </a:prstGeom>
+        </p:spPr>
+        <p:style>
+          <a:lnRef idx="1">
+            <a:schemeClr val="accent4"/>
+          </a:lnRef>
+          <a:fillRef idx="2">
+            <a:schemeClr val="accent4"/>
+          </a:fillRef>
+          <a:effectRef idx="1">
+            <a:schemeClr val="accent4"/>
+          </a:effectRef>
+          <a:fontRef idx="minor">
+            <a:schemeClr val="dk1"/>
+          </a:fontRef>
+        </p:style>
+        <p:txBody>
+          <a:bodyPr rtlCol="0" anchor="ctr"/>
+          <a:lstStyle/>
+          <a:p>
+            <a:pPr algn="ctr"/>
+            <a:r>
+              <a:rPr lang="en-US" dirty="0" smtClean="0"/>
+              <a:t>3</a:t>
+            </a:r>
+            <a:r>
+              <a:rPr lang="en-US" baseline="30000" dirty="0" smtClean="0"/>
+              <a:t>rd</a:t>
+            </a:r>
+            <a:r>
+              <a:rPr lang="en-US" dirty="0"/>
+              <a:t> </a:t>
+            </a:r>
+            <a:r>
+              <a:rPr lang="en-US" smtClean="0"/>
+              <a:t>party currency service</a:t>
+            </a:r>
+            <a:endParaRPr lang="en-US" dirty="0"/>
+          </a:p>
+        </p:txBody>
+      </p:sp>
+      <p:cxnSp>
+        <p:nvCxnSpPr>
+          <p:cNvPr id="73" name="Straight Connector 72"/>
+          <p:cNvCxnSpPr/>
+          <p:nvPr/>
+        </p:nvCxnSpPr>
+        <p:spPr>
+          <a:xfrm flipH="1" flipV="1">
+            <a:off x="8778594" y="1018326"/>
+            <a:ext cx="182219" cy="488"/>
+          </a:xfrm>
+          <a:prstGeom prst="line">
+            <a:avLst/>
+          </a:prstGeom>
+          <a:ln w="19050"/>
+        </p:spPr>
+        <p:style>
+          <a:lnRef idx="1">
+            <a:schemeClr val="accent1"/>
+          </a:lnRef>
+          <a:fillRef idx="0">
+            <a:schemeClr val="accent1"/>
+          </a:fillRef>
+          <a:effectRef idx="0">
+            <a:schemeClr val="accent1"/>
+          </a:effectRef>
+          <a:fontRef idx="minor">
+            <a:schemeClr val="tx1"/>
+          </a:fontRef>
+        </p:style>
+      </p:cxnSp>
+      <p:sp>
+        <p:nvSpPr>
+          <p:cNvPr id="74" name="Rectangle 73"/>
+          <p:cNvSpPr/>
+          <p:nvPr/>
+        </p:nvSpPr>
+        <p:spPr>
+          <a:xfrm>
+            <a:off x="10018634" y="853257"/>
+            <a:ext cx="238539" cy="265043"/>
+          </a:xfrm>
+          <a:prstGeom prst="rect">
+            <a:avLst/>
+          </a:prstGeom>
+        </p:spPr>
+        <p:style>
+          <a:lnRef idx="1">
+            <a:schemeClr val="accent1"/>
+          </a:lnRef>
+          <a:fillRef idx="2">
+            <a:schemeClr val="accent1"/>
+          </a:fillRef>
+          <a:effectRef idx="1">
+            <a:schemeClr val="accent1"/>
+          </a:effectRef>
+          <a:fontRef idx="minor">
+            <a:schemeClr val="dk1"/>
+          </a:fontRef>
+        </p:style>
+        <p:txBody>
+          <a:bodyPr rtlCol="0" anchor="ctr"/>
+          <a:lstStyle/>
+          <a:p>
+            <a:pPr algn="ctr"/>
+            <a:endParaRPr lang="en-US"/>
+          </a:p>
+        </p:txBody>
+      </p:sp>
+      <p:sp>
+        <p:nvSpPr>
+          <p:cNvPr id="75" name="Right Bracket 74"/>
+          <p:cNvSpPr/>
+          <p:nvPr/>
+        </p:nvSpPr>
+        <p:spPr>
+          <a:xfrm flipH="1">
+            <a:off x="8942236" y="844008"/>
+            <a:ext cx="198782" cy="364435"/>
+          </a:xfrm>
+          <a:prstGeom prst="rightBracket">
+            <a:avLst/>
+          </a:prstGeom>
+          <a:noFill/>
+          <a:ln w="19050"/>
+        </p:spPr>
+        <p:style>
+          <a:lnRef idx="1">
+            <a:schemeClr val="accent1"/>
+          </a:lnRef>
+          <a:fillRef idx="2">
+            <a:schemeClr val="accent1"/>
+          </a:fillRef>
+          <a:effectRef idx="1">
+            <a:schemeClr val="accent1"/>
+          </a:effectRef>
+          <a:fontRef idx="minor">
+            <a:schemeClr val="dk1"/>
+          </a:fontRef>
+        </p:style>
+        <p:txBody>
+          <a:bodyPr rtlCol="0" anchor="ctr"/>
+          <a:lstStyle/>
+          <a:p>
+            <a:pPr algn="ctr"/>
+            <a:endParaRPr lang="en-US"/>
+          </a:p>
+        </p:txBody>
+      </p:sp>
+      <p:cxnSp>
+        <p:nvCxnSpPr>
+          <p:cNvPr id="76" name="Straight Connector 75"/>
+          <p:cNvCxnSpPr/>
+          <p:nvPr/>
+        </p:nvCxnSpPr>
+        <p:spPr>
+          <a:xfrm flipV="1">
+            <a:off x="10257173" y="1002386"/>
+            <a:ext cx="420758" cy="4294"/>
+          </a:xfrm>
+          <a:prstGeom prst="line">
+            <a:avLst/>
+          </a:prstGeom>
+          <a:ln w="19050"/>
+        </p:spPr>
+        <p:style>
+          <a:lnRef idx="1">
+            <a:schemeClr val="accent1"/>
+          </a:lnRef>
+          <a:fillRef idx="0">
+            <a:schemeClr val="accent1"/>
+          </a:fillRef>
+          <a:effectRef idx="0">
+            <a:schemeClr val="accent1"/>
+          </a:effectRef>
+          <a:fontRef idx="minor">
+            <a:schemeClr val="tx1"/>
+          </a:fontRef>
+        </p:style>
+      </p:cxnSp>
+      <p:cxnSp>
+        <p:nvCxnSpPr>
+          <p:cNvPr id="83" name="Straight Arrow Connector 82"/>
+          <p:cNvCxnSpPr>
+            <a:stCxn id="75" idx="2"/>
+            <a:endCxn id="74" idx="1"/>
+          </p:cNvCxnSpPr>
+          <p:nvPr/>
+        </p:nvCxnSpPr>
+        <p:spPr>
+          <a:xfrm flipV="1">
+            <a:off x="8942236" y="985779"/>
+            <a:ext cx="1076398" cy="40447"/>
+          </a:xfrm>
+          <a:prstGeom prst="straightConnector1">
+            <a:avLst/>
+          </a:prstGeom>
+          <a:ln w="22225">
+            <a:solidFill>
+              <a:schemeClr val="tx2"/>
+            </a:solidFill>
+            <a:prstDash val="sysDash"/>
+            <a:tailEnd type="triangle"/>
+          </a:ln>
+        </p:spPr>
+        <p:style>
+          <a:lnRef idx="1">
+            <a:schemeClr val="accent1"/>
+          </a:lnRef>
+          <a:fillRef idx="0">
+            <a:schemeClr val="accent1"/>
+          </a:fillRef>
+          <a:effectRef idx="0">
+            <a:schemeClr val="accent1"/>
+          </a:effectRef>
+          <a:fontRef idx="minor">
+            <a:schemeClr val="tx1"/>
+          </a:fontRef>
+        </p:style>
+      </p:cxnSp>
+      <p:sp>
+        <p:nvSpPr>
+          <p:cNvPr id="86" name="TextBox 85"/>
+          <p:cNvSpPr txBox="1"/>
+          <p:nvPr/>
+        </p:nvSpPr>
+        <p:spPr>
+          <a:xfrm>
+            <a:off x="8758958" y="289456"/>
+            <a:ext cx="749116" cy="461665"/>
+          </a:xfrm>
+          <a:prstGeom prst="rect">
+            <a:avLst/>
+          </a:prstGeom>
+          <a:noFill/>
+        </p:spPr>
+        <p:txBody>
+          <a:bodyPr wrap="none" rtlCol="0">
+            <a:spAutoFit/>
+          </a:bodyPr>
+          <a:lstStyle/>
+          <a:p>
+            <a:pPr algn="ctr"/>
+            <a:r>
+              <a:rPr lang="en-US" sz="1200" dirty="0" smtClean="0"/>
+              <a:t>HTTP/2 </a:t>
+            </a:r>
+          </a:p>
+          <a:p>
+            <a:pPr algn="ctr"/>
+            <a:r>
+              <a:rPr lang="en-US" sz="1200" dirty="0" smtClean="0"/>
+              <a:t>endpoint</a:t>
+            </a:r>
+            <a:endParaRPr lang="en-US" sz="1200" dirty="0"/>
+          </a:p>
+        </p:txBody>
+      </p:sp>
+      <p:sp>
+        <p:nvSpPr>
+          <p:cNvPr id="91" name="Rectangle 90"/>
+          <p:cNvSpPr/>
+          <p:nvPr/>
+        </p:nvSpPr>
+        <p:spPr>
+          <a:xfrm>
+            <a:off x="11194764" y="2119411"/>
+            <a:ext cx="238539" cy="265043"/>
+          </a:xfrm>
+          <a:prstGeom prst="rect">
+            <a:avLst/>
+          </a:prstGeom>
+        </p:spPr>
+        <p:style>
+          <a:lnRef idx="1">
+            <a:schemeClr val="accent1"/>
+          </a:lnRef>
+          <a:fillRef idx="2">
+            <a:schemeClr val="accent1"/>
+          </a:fillRef>
+          <a:effectRef idx="1">
+            <a:schemeClr val="accent1"/>
+          </a:effectRef>
+          <a:fontRef idx="minor">
+            <a:schemeClr val="dk1"/>
+          </a:fontRef>
+        </p:style>
+        <p:txBody>
+          <a:bodyPr rtlCol="0" anchor="ctr"/>
+          <a:lstStyle/>
+          <a:p>
+            <a:pPr algn="ctr"/>
+            <a:endParaRPr lang="en-US"/>
+          </a:p>
+        </p:txBody>
+      </p:sp>
+      <p:cxnSp>
+        <p:nvCxnSpPr>
+          <p:cNvPr id="92" name="Straight Connector 91"/>
+          <p:cNvCxnSpPr>
+            <a:stCxn id="91" idx="2"/>
+            <a:endCxn id="72" idx="0"/>
+          </p:cNvCxnSpPr>
+          <p:nvPr/>
+        </p:nvCxnSpPr>
+        <p:spPr>
+          <a:xfrm>
+            <a:off x="11314034" y="2384454"/>
+            <a:ext cx="1" cy="251030"/>
+          </a:xfrm>
+          <a:prstGeom prst="line">
+            <a:avLst/>
+          </a:prstGeom>
+          <a:ln w="19050"/>
+        </p:spPr>
+        <p:style>
+          <a:lnRef idx="1">
+            <a:schemeClr val="accent1"/>
+          </a:lnRef>
+          <a:fillRef idx="0">
+            <a:schemeClr val="accent1"/>
+          </a:fillRef>
+          <a:effectRef idx="0">
+            <a:schemeClr val="accent1"/>
+          </a:effectRef>
+          <a:fontRef idx="minor">
+            <a:schemeClr val="tx1"/>
+          </a:fontRef>
+        </p:style>
+      </p:cxnSp>
+      <p:cxnSp>
+        <p:nvCxnSpPr>
+          <p:cNvPr id="100" name="Straight Connector 99"/>
+          <p:cNvCxnSpPr/>
+          <p:nvPr/>
+        </p:nvCxnSpPr>
+        <p:spPr>
+          <a:xfrm>
+            <a:off x="11314034" y="1320122"/>
+            <a:ext cx="0" cy="225288"/>
+          </a:xfrm>
+          <a:prstGeom prst="line">
+            <a:avLst/>
+          </a:prstGeom>
+          <a:ln w="19050"/>
+        </p:spPr>
+        <p:style>
+          <a:lnRef idx="1">
+            <a:schemeClr val="accent1"/>
+          </a:lnRef>
+          <a:fillRef idx="0">
+            <a:schemeClr val="accent1"/>
+          </a:fillRef>
+          <a:effectRef idx="0">
+            <a:schemeClr val="accent1"/>
+          </a:effectRef>
+          <a:fontRef idx="minor">
+            <a:schemeClr val="tx1"/>
+          </a:fontRef>
+        </p:style>
+      </p:cxnSp>
+      <p:sp>
+        <p:nvSpPr>
+          <p:cNvPr id="101" name="Right Bracket 100"/>
+          <p:cNvSpPr/>
+          <p:nvPr/>
+        </p:nvSpPr>
+        <p:spPr>
+          <a:xfrm rot="16200000">
+            <a:off x="11198065" y="1472524"/>
+            <a:ext cx="198782" cy="364435"/>
+          </a:xfrm>
+          <a:prstGeom prst="rightBracket">
+            <a:avLst/>
+          </a:prstGeom>
+          <a:noFill/>
+          <a:ln w="19050"/>
+        </p:spPr>
+        <p:style>
+          <a:lnRef idx="1">
+            <a:schemeClr val="accent1"/>
+          </a:lnRef>
+          <a:fillRef idx="2">
+            <a:schemeClr val="accent1"/>
+          </a:fillRef>
+          <a:effectRef idx="1">
+            <a:schemeClr val="accent1"/>
+          </a:effectRef>
+          <a:fontRef idx="minor">
+            <a:schemeClr val="dk1"/>
+          </a:fontRef>
+        </p:style>
+        <p:txBody>
+          <a:bodyPr rtlCol="0" anchor="ctr"/>
+          <a:lstStyle/>
+          <a:p>
+            <a:pPr algn="ctr"/>
+            <a:endParaRPr lang="en-US"/>
+          </a:p>
+        </p:txBody>
+      </p:sp>
+      <p:sp>
+        <p:nvSpPr>
+          <p:cNvPr id="71" name="Rounded Rectangle 70"/>
+          <p:cNvSpPr/>
+          <p:nvPr/>
+        </p:nvSpPr>
+        <p:spPr>
+          <a:xfrm>
+            <a:off x="10677931" y="609596"/>
+            <a:ext cx="1272209" cy="728870"/>
+          </a:xfrm>
+          <a:prstGeom prst="roundRect">
+            <a:avLst/>
+          </a:prstGeom>
+        </p:spPr>
+        <p:style>
+          <a:lnRef idx="1">
+            <a:schemeClr val="accent2"/>
+          </a:lnRef>
+          <a:fillRef idx="2">
+            <a:schemeClr val="accent2"/>
+          </a:fillRef>
+          <a:effectRef idx="1">
+            <a:schemeClr val="accent2"/>
+          </a:effectRef>
+          <a:fontRef idx="minor">
+            <a:schemeClr val="dk1"/>
+          </a:fontRef>
+        </p:style>
+        <p:txBody>
+          <a:bodyPr rtlCol="0" anchor="ctr"/>
+          <a:lstStyle/>
+          <a:p>
+            <a:pPr algn="ctr"/>
+            <a:r>
+              <a:rPr lang="en-US" dirty="0" smtClean="0"/>
+              <a:t>Currency</a:t>
+            </a:r>
+          </a:p>
+          <a:p>
+            <a:pPr algn="ctr"/>
+            <a:r>
+              <a:rPr lang="en-US" dirty="0" smtClean="0"/>
+              <a:t>Service</a:t>
+            </a:r>
+            <a:endParaRPr lang="en-US" dirty="0"/>
+          </a:p>
+        </p:txBody>
+      </p:sp>
+      <p:cxnSp>
+        <p:nvCxnSpPr>
+          <p:cNvPr id="102" name="Straight Arrow Connector 101"/>
+          <p:cNvCxnSpPr>
+            <a:stCxn id="101" idx="2"/>
+            <a:endCxn id="91" idx="0"/>
+          </p:cNvCxnSpPr>
+          <p:nvPr/>
+        </p:nvCxnSpPr>
+        <p:spPr>
+          <a:xfrm>
+            <a:off x="11297457" y="1555351"/>
+            <a:ext cx="16577" cy="564060"/>
+          </a:xfrm>
+          <a:prstGeom prst="straightConnector1">
+            <a:avLst/>
+          </a:prstGeom>
+          <a:ln w="22225">
+            <a:solidFill>
+              <a:schemeClr val="tx2"/>
+            </a:solidFill>
+            <a:prstDash val="sysDash"/>
+            <a:tailEnd type="triangle"/>
+          </a:ln>
+        </p:spPr>
+        <p:style>
+          <a:lnRef idx="1">
+            <a:schemeClr val="accent1"/>
+          </a:lnRef>
+          <a:fillRef idx="0">
+            <a:schemeClr val="accent1"/>
+          </a:fillRef>
+          <a:effectRef idx="0">
+            <a:schemeClr val="accent1"/>
+          </a:effectRef>
+          <a:fontRef idx="minor">
+            <a:schemeClr val="tx1"/>
+          </a:fontRef>
+        </p:style>
+      </p:cxnSp>
+      <p:sp>
+        <p:nvSpPr>
+          <p:cNvPr id="105" name="TextBox 104"/>
+          <p:cNvSpPr txBox="1"/>
+          <p:nvPr/>
+        </p:nvSpPr>
+        <p:spPr>
+          <a:xfrm>
+            <a:off x="10373940" y="2102629"/>
+            <a:ext cx="749115" cy="461665"/>
+          </a:xfrm>
+          <a:prstGeom prst="rect">
+            <a:avLst/>
+          </a:prstGeom>
+          <a:noFill/>
+        </p:spPr>
+        <p:txBody>
+          <a:bodyPr wrap="none" rtlCol="0">
+            <a:spAutoFit/>
+          </a:bodyPr>
+          <a:lstStyle/>
+          <a:p>
+            <a:r>
+              <a:rPr lang="en-US" sz="1200" dirty="0" smtClean="0"/>
+              <a:t>HTTP</a:t>
+            </a:r>
+          </a:p>
+          <a:p>
+            <a:r>
+              <a:rPr lang="en-US" sz="1200" dirty="0" smtClean="0"/>
+              <a:t>endpoint</a:t>
+            </a:r>
+            <a:endParaRPr lang="en-US" sz="1200" dirty="0"/>
+          </a:p>
+        </p:txBody>
+      </p:sp>
+      <p:sp>
+        <p:nvSpPr>
+          <p:cNvPr id="106" name="TextBox 105"/>
+          <p:cNvSpPr txBox="1"/>
+          <p:nvPr/>
+        </p:nvSpPr>
+        <p:spPr>
+          <a:xfrm>
+            <a:off x="10484901" y="1350606"/>
+            <a:ext cx="661848" cy="461665"/>
+          </a:xfrm>
+          <a:prstGeom prst="rect">
+            <a:avLst/>
+          </a:prstGeom>
+          <a:noFill/>
+        </p:spPr>
+        <p:txBody>
+          <a:bodyPr wrap="none" rtlCol="0">
+            <a:spAutoFit/>
+          </a:bodyPr>
+          <a:lstStyle/>
+          <a:p>
+            <a:r>
+              <a:rPr lang="en-US" sz="1200" smtClean="0"/>
+              <a:t>Circuit</a:t>
+            </a:r>
+          </a:p>
+          <a:p>
+            <a:r>
+              <a:rPr lang="en-US" sz="1200" dirty="0" smtClean="0"/>
+              <a:t>breaker</a:t>
+            </a:r>
+            <a:endParaRPr lang="en-US" sz="1200" dirty="0"/>
+          </a:p>
+        </p:txBody>
+      </p:sp>
+    </p:spTree>
+    <p:extLst>
+      <p:ext uri="{BB962C8B-B14F-4D97-AF65-F5344CB8AC3E}">
+        <p14:creationId xmlns:p14="http://schemas.microsoft.com/office/powerpoint/2010/main" val="1770852965"/>
       </p:ext>
     </p:extLst>
   </p:cSld>

--- a/docs/images/images.pptx
+++ b/docs/images/images.pptx
@@ -199,7 +199,7 @@
           <a:p>
             <a:fld id="{FCF1A461-A2BE-0C4E-8679-A0B23C3BCC5C}" type="datetimeFigureOut">
               <a:rPr lang="en-US" smtClean="0"/>
-              <a:t>9/25/17</a:t>
+              <a:t>9/29/17</a:t>
             </a:fld>
             <a:endParaRPr lang="en-US"/>
           </a:p>
@@ -598,7 +598,7 @@
           <a:p>
             <a:fld id="{627AC20C-FA84-1849-BDDE-054106A42D1D}" type="datetimeFigureOut">
               <a:rPr lang="en-US" smtClean="0"/>
-              <a:t>9/25/17</a:t>
+              <a:t>9/29/17</a:t>
             </a:fld>
             <a:endParaRPr lang="en-US"/>
           </a:p>
@@ -768,7 +768,7 @@
           <a:p>
             <a:fld id="{627AC20C-FA84-1849-BDDE-054106A42D1D}" type="datetimeFigureOut">
               <a:rPr lang="en-US" smtClean="0"/>
-              <a:t>9/25/17</a:t>
+              <a:t>9/29/17</a:t>
             </a:fld>
             <a:endParaRPr lang="en-US"/>
           </a:p>
@@ -948,7 +948,7 @@
           <a:p>
             <a:fld id="{627AC20C-FA84-1849-BDDE-054106A42D1D}" type="datetimeFigureOut">
               <a:rPr lang="en-US" smtClean="0"/>
-              <a:t>9/25/17</a:t>
+              <a:t>9/29/17</a:t>
             </a:fld>
             <a:endParaRPr lang="en-US"/>
           </a:p>
@@ -1118,7 +1118,7 @@
           <a:p>
             <a:fld id="{627AC20C-FA84-1849-BDDE-054106A42D1D}" type="datetimeFigureOut">
               <a:rPr lang="en-US" smtClean="0"/>
-              <a:t>9/25/17</a:t>
+              <a:t>9/29/17</a:t>
             </a:fld>
             <a:endParaRPr lang="en-US"/>
           </a:p>
@@ -1364,7 +1364,7 @@
           <a:p>
             <a:fld id="{627AC20C-FA84-1849-BDDE-054106A42D1D}" type="datetimeFigureOut">
               <a:rPr lang="en-US" smtClean="0"/>
-              <a:t>9/25/17</a:t>
+              <a:t>9/29/17</a:t>
             </a:fld>
             <a:endParaRPr lang="en-US"/>
           </a:p>
@@ -1596,7 +1596,7 @@
           <a:p>
             <a:fld id="{627AC20C-FA84-1849-BDDE-054106A42D1D}" type="datetimeFigureOut">
               <a:rPr lang="en-US" smtClean="0"/>
-              <a:t>9/25/17</a:t>
+              <a:t>9/29/17</a:t>
             </a:fld>
             <a:endParaRPr lang="en-US"/>
           </a:p>
@@ -1963,7 +1963,7 @@
           <a:p>
             <a:fld id="{627AC20C-FA84-1849-BDDE-054106A42D1D}" type="datetimeFigureOut">
               <a:rPr lang="en-US" smtClean="0"/>
-              <a:t>9/25/17</a:t>
+              <a:t>9/29/17</a:t>
             </a:fld>
             <a:endParaRPr lang="en-US"/>
           </a:p>
@@ -2081,7 +2081,7 @@
           <a:p>
             <a:fld id="{627AC20C-FA84-1849-BDDE-054106A42D1D}" type="datetimeFigureOut">
               <a:rPr lang="en-US" smtClean="0"/>
-              <a:t>9/25/17</a:t>
+              <a:t>9/29/17</a:t>
             </a:fld>
             <a:endParaRPr lang="en-US"/>
           </a:p>
@@ -2176,7 +2176,7 @@
           <a:p>
             <a:fld id="{627AC20C-FA84-1849-BDDE-054106A42D1D}" type="datetimeFigureOut">
               <a:rPr lang="en-US" smtClean="0"/>
-              <a:t>9/25/17</a:t>
+              <a:t>9/29/17</a:t>
             </a:fld>
             <a:endParaRPr lang="en-US"/>
           </a:p>
@@ -2453,7 +2453,7 @@
           <a:p>
             <a:fld id="{627AC20C-FA84-1849-BDDE-054106A42D1D}" type="datetimeFigureOut">
               <a:rPr lang="en-US" smtClean="0"/>
-              <a:t>9/25/17</a:t>
+              <a:t>9/29/17</a:t>
             </a:fld>
             <a:endParaRPr lang="en-US"/>
           </a:p>
@@ -2706,7 +2706,7 @@
           <a:p>
             <a:fld id="{627AC20C-FA84-1849-BDDE-054106A42D1D}" type="datetimeFigureOut">
               <a:rPr lang="en-US" smtClean="0"/>
-              <a:t>9/25/17</a:t>
+              <a:t>9/29/17</a:t>
             </a:fld>
             <a:endParaRPr lang="en-US"/>
           </a:p>
@@ -2919,7 +2919,7 @@
           <a:p>
             <a:fld id="{627AC20C-FA84-1849-BDDE-054106A42D1D}" type="datetimeFigureOut">
               <a:rPr lang="en-US" smtClean="0"/>
-              <a:t>9/25/17</a:t>
+              <a:t>9/29/17</a:t>
             </a:fld>
             <a:endParaRPr lang="en-US"/>
           </a:p>
@@ -7350,7 +7350,7 @@
         <p:spPr>
           <a:xfrm>
             <a:off x="5390441" y="3162391"/>
-            <a:ext cx="1129027" cy="646331"/>
+            <a:ext cx="1302216" cy="646331"/>
           </a:xfrm>
           <a:prstGeom prst="rect">
             <a:avLst/>
@@ -7365,11 +7365,11 @@
           <a:p>
             <a:r>
               <a:rPr lang="en-US" sz="1200" dirty="0" err="1" smtClean="0"/>
-              <a:t>gRPC</a:t>
+              <a:t>Async</a:t>
             </a:r>
             <a:r>
               <a:rPr lang="en-US" sz="1200" dirty="0" smtClean="0"/>
-              <a:t> service</a:t>
+              <a:t> RPC service</a:t>
             </a:r>
             <a:endParaRPr lang="en-US" sz="1200" dirty="0" smtClean="0"/>
           </a:p>
@@ -8167,11 +8167,7 @@
             </a:r>
             <a:r>
               <a:rPr lang="en-US" sz="1200" dirty="0" smtClean="0"/>
-              <a:t> </a:t>
-            </a:r>
-            <a:r>
-              <a:rPr lang="en-US" sz="1200" dirty="0" smtClean="0"/>
-              <a:t>Service Consumer</a:t>
+              <a:t> Service Consumer</a:t>
             </a:r>
             <a:endParaRPr lang="en-US" sz="1200" dirty="0"/>
           </a:p>
@@ -8205,11 +8201,7 @@
             </a:r>
             <a:r>
               <a:rPr lang="en-US" sz="1200" dirty="0" smtClean="0"/>
-              <a:t> </a:t>
-            </a:r>
-            <a:r>
-              <a:rPr lang="en-US" sz="1200" dirty="0" smtClean="0"/>
-              <a:t>Service</a:t>
+              <a:t> Service</a:t>
             </a:r>
             <a:endParaRPr lang="en-US" sz="1200" dirty="0"/>
           </a:p>

--- a/docs/images/images.pptx
+++ b/docs/images/images.pptx
@@ -199,7 +199,7 @@
           <a:p>
             <a:fld id="{FCF1A461-A2BE-0C4E-8679-A0B23C3BCC5C}" type="datetimeFigureOut">
               <a:rPr lang="en-US" smtClean="0"/>
-              <a:t>9/29/17</a:t>
+              <a:t>10/11/17</a:t>
             </a:fld>
             <a:endParaRPr lang="en-US"/>
           </a:p>
@@ -598,7 +598,7 @@
           <a:p>
             <a:fld id="{627AC20C-FA84-1849-BDDE-054106A42D1D}" type="datetimeFigureOut">
               <a:rPr lang="en-US" smtClean="0"/>
-              <a:t>9/29/17</a:t>
+              <a:t>10/11/17</a:t>
             </a:fld>
             <a:endParaRPr lang="en-US"/>
           </a:p>
@@ -768,7 +768,7 @@
           <a:p>
             <a:fld id="{627AC20C-FA84-1849-BDDE-054106A42D1D}" type="datetimeFigureOut">
               <a:rPr lang="en-US" smtClean="0"/>
-              <a:t>9/29/17</a:t>
+              <a:t>10/11/17</a:t>
             </a:fld>
             <a:endParaRPr lang="en-US"/>
           </a:p>
@@ -948,7 +948,7 @@
           <a:p>
             <a:fld id="{627AC20C-FA84-1849-BDDE-054106A42D1D}" type="datetimeFigureOut">
               <a:rPr lang="en-US" smtClean="0"/>
-              <a:t>9/29/17</a:t>
+              <a:t>10/11/17</a:t>
             </a:fld>
             <a:endParaRPr lang="en-US"/>
           </a:p>
@@ -1118,7 +1118,7 @@
           <a:p>
             <a:fld id="{627AC20C-FA84-1849-BDDE-054106A42D1D}" type="datetimeFigureOut">
               <a:rPr lang="en-US" smtClean="0"/>
-              <a:t>9/29/17</a:t>
+              <a:t>10/11/17</a:t>
             </a:fld>
             <a:endParaRPr lang="en-US"/>
           </a:p>
@@ -1364,7 +1364,7 @@
           <a:p>
             <a:fld id="{627AC20C-FA84-1849-BDDE-054106A42D1D}" type="datetimeFigureOut">
               <a:rPr lang="en-US" smtClean="0"/>
-              <a:t>9/29/17</a:t>
+              <a:t>10/11/17</a:t>
             </a:fld>
             <a:endParaRPr lang="en-US"/>
           </a:p>
@@ -1596,7 +1596,7 @@
           <a:p>
             <a:fld id="{627AC20C-FA84-1849-BDDE-054106A42D1D}" type="datetimeFigureOut">
               <a:rPr lang="en-US" smtClean="0"/>
-              <a:t>9/29/17</a:t>
+              <a:t>10/11/17</a:t>
             </a:fld>
             <a:endParaRPr lang="en-US"/>
           </a:p>
@@ -1963,7 +1963,7 @@
           <a:p>
             <a:fld id="{627AC20C-FA84-1849-BDDE-054106A42D1D}" type="datetimeFigureOut">
               <a:rPr lang="en-US" smtClean="0"/>
-              <a:t>9/29/17</a:t>
+              <a:t>10/11/17</a:t>
             </a:fld>
             <a:endParaRPr lang="en-US"/>
           </a:p>
@@ -2081,7 +2081,7 @@
           <a:p>
             <a:fld id="{627AC20C-FA84-1849-BDDE-054106A42D1D}" type="datetimeFigureOut">
               <a:rPr lang="en-US" smtClean="0"/>
-              <a:t>9/29/17</a:t>
+              <a:t>10/11/17</a:t>
             </a:fld>
             <a:endParaRPr lang="en-US"/>
           </a:p>
@@ -2176,7 +2176,7 @@
           <a:p>
             <a:fld id="{627AC20C-FA84-1849-BDDE-054106A42D1D}" type="datetimeFigureOut">
               <a:rPr lang="en-US" smtClean="0"/>
-              <a:t>9/29/17</a:t>
+              <a:t>10/11/17</a:t>
             </a:fld>
             <a:endParaRPr lang="en-US"/>
           </a:p>
@@ -2453,7 +2453,7 @@
           <a:p>
             <a:fld id="{627AC20C-FA84-1849-BDDE-054106A42D1D}" type="datetimeFigureOut">
               <a:rPr lang="en-US" smtClean="0"/>
-              <a:t>9/29/17</a:t>
+              <a:t>10/11/17</a:t>
             </a:fld>
             <a:endParaRPr lang="en-US"/>
           </a:p>
@@ -2706,7 +2706,7 @@
           <a:p>
             <a:fld id="{627AC20C-FA84-1849-BDDE-054106A42D1D}" type="datetimeFigureOut">
               <a:rPr lang="en-US" smtClean="0"/>
-              <a:t>9/29/17</a:t>
+              <a:t>10/11/17</a:t>
             </a:fld>
             <a:endParaRPr lang="en-US"/>
           </a:p>
@@ -2919,7 +2919,7 @@
           <a:p>
             <a:fld id="{627AC20C-FA84-1849-BDDE-054106A42D1D}" type="datetimeFigureOut">
               <a:rPr lang="en-US" smtClean="0"/>
-              <a:t>9/29/17</a:t>
+              <a:t>10/11/17</a:t>
             </a:fld>
             <a:endParaRPr lang="en-US"/>
           </a:p>
@@ -7371,7 +7371,6 @@
               <a:rPr lang="en-US" sz="1200" dirty="0" smtClean="0"/>
               <a:t> RPC service</a:t>
             </a:r>
-            <a:endParaRPr lang="en-US" sz="1200" dirty="0" smtClean="0"/>
           </a:p>
           <a:p>
             <a:r>
@@ -8148,7 +8147,7 @@
         <p:spPr>
           <a:xfrm>
             <a:off x="2649061" y="5107438"/>
-            <a:ext cx="1659237" cy="276999"/>
+            <a:ext cx="1704569" cy="276999"/>
           </a:xfrm>
           <a:prstGeom prst="rect">
             <a:avLst/>
@@ -8163,11 +8162,15 @@
           <a:p>
             <a:r>
               <a:rPr lang="en-US" sz="1200" dirty="0" err="1" smtClean="0"/>
-              <a:t>gRPC</a:t>
+              <a:t>Async</a:t>
             </a:r>
             <a:r>
               <a:rPr lang="en-US" sz="1200" dirty="0" smtClean="0"/>
-              <a:t> Service Consumer</a:t>
+              <a:t> Service </a:t>
+            </a:r>
+            <a:r>
+              <a:rPr lang="en-US" sz="1200" dirty="0" smtClean="0"/>
+              <a:t>Consumer</a:t>
             </a:r>
             <a:endParaRPr lang="en-US" sz="1200" dirty="0"/>
           </a:p>
@@ -8182,7 +8185,7 @@
         <p:spPr>
           <a:xfrm>
             <a:off x="2647773" y="5523806"/>
-            <a:ext cx="985976" cy="276999"/>
+            <a:ext cx="1031308" cy="276999"/>
           </a:xfrm>
           <a:prstGeom prst="rect">
             <a:avLst/>
@@ -8197,10 +8200,10 @@
           <a:p>
             <a:r>
               <a:rPr lang="en-US" sz="1200" dirty="0" err="1" smtClean="0"/>
-              <a:t>gRPC</a:t>
-            </a:r>
-            <a:r>
-              <a:rPr lang="en-US" sz="1200" dirty="0" smtClean="0"/>
+              <a:t>Async</a:t>
+            </a:r>
+            <a:r>
+              <a:rPr lang="en-US" sz="1200" smtClean="0"/>
               <a:t> Service</a:t>
             </a:r>
             <a:endParaRPr lang="en-US" sz="1200" dirty="0"/>
@@ -8456,16 +8459,54 @@
           </a:p>
         </p:txBody>
       </p:sp>
+      <p:sp>
+        <p:nvSpPr>
+          <p:cNvPr id="74" name="Rectangle 73"/>
+          <p:cNvSpPr/>
+          <p:nvPr/>
+        </p:nvSpPr>
+        <p:spPr>
+          <a:xfrm>
+            <a:off x="10018634" y="853257"/>
+            <a:ext cx="238539" cy="265043"/>
+          </a:xfrm>
+          <a:prstGeom prst="rect">
+            <a:avLst/>
+          </a:prstGeom>
+        </p:spPr>
+        <p:style>
+          <a:lnRef idx="1">
+            <a:schemeClr val="accent1"/>
+          </a:lnRef>
+          <a:fillRef idx="2">
+            <a:schemeClr val="accent1"/>
+          </a:fillRef>
+          <a:effectRef idx="1">
+            <a:schemeClr val="accent1"/>
+          </a:effectRef>
+          <a:fontRef idx="minor">
+            <a:schemeClr val="dk1"/>
+          </a:fontRef>
+        </p:style>
+        <p:txBody>
+          <a:bodyPr rtlCol="0" anchor="ctr"/>
+          <a:lstStyle/>
+          <a:p>
+            <a:pPr algn="ctr"/>
+            <a:endParaRPr lang="en-US"/>
+          </a:p>
+        </p:txBody>
+      </p:sp>
       <p:cxnSp>
         <p:nvCxnSpPr>
-          <p:cNvPr id="73" name="Straight Connector 72"/>
+          <p:cNvPr id="76" name="Straight Connector 75"/>
           <p:cNvCxnSpPr/>
           <p:nvPr/>
         </p:nvCxnSpPr>
         <p:spPr>
-          <a:xfrm flipH="1" flipV="1">
-            <a:off x="8778594" y="1018326"/>
-            <a:ext cx="182219" cy="488"/>
+          <a:xfrm flipV="1">
+            <a:off x="10257173" y="1002386"/>
+            <a:ext cx="420758" cy="4294"/>
           </a:xfrm>
           <a:prstGeom prst="line">
             <a:avLst/>
@@ -8487,193 +8528,6 @@
           </a:fontRef>
         </p:style>
       </p:cxnSp>
-      <p:sp>
-        <p:nvSpPr>
-          <p:cNvPr id="74" name="Rectangle 73"/>
-          <p:cNvSpPr/>
-          <p:nvPr/>
-        </p:nvSpPr>
-        <p:spPr>
-          <a:xfrm>
-            <a:off x="10018634" y="853257"/>
-            <a:ext cx="238539" cy="265043"/>
-          </a:xfrm>
-          <a:prstGeom prst="rect">
-            <a:avLst/>
-          </a:prstGeom>
-        </p:spPr>
-        <p:style>
-          <a:lnRef idx="1">
-            <a:schemeClr val="accent1"/>
-          </a:lnRef>
-          <a:fillRef idx="2">
-            <a:schemeClr val="accent1"/>
-          </a:fillRef>
-          <a:effectRef idx="1">
-            <a:schemeClr val="accent1"/>
-          </a:effectRef>
-          <a:fontRef idx="minor">
-            <a:schemeClr val="dk1"/>
-          </a:fontRef>
-        </p:style>
-        <p:txBody>
-          <a:bodyPr rtlCol="0" anchor="ctr"/>
-          <a:lstStyle/>
-          <a:p>
-            <a:pPr algn="ctr"/>
-            <a:endParaRPr lang="en-US"/>
-          </a:p>
-        </p:txBody>
-      </p:sp>
-      <p:sp>
-        <p:nvSpPr>
-          <p:cNvPr id="75" name="Right Bracket 74"/>
-          <p:cNvSpPr/>
-          <p:nvPr/>
-        </p:nvSpPr>
-        <p:spPr>
-          <a:xfrm flipH="1">
-            <a:off x="8942236" y="844008"/>
-            <a:ext cx="198782" cy="364435"/>
-          </a:xfrm>
-          <a:prstGeom prst="rightBracket">
-            <a:avLst/>
-          </a:prstGeom>
-          <a:noFill/>
-          <a:ln w="19050"/>
-        </p:spPr>
-        <p:style>
-          <a:lnRef idx="1">
-            <a:schemeClr val="accent1"/>
-          </a:lnRef>
-          <a:fillRef idx="2">
-            <a:schemeClr val="accent1"/>
-          </a:fillRef>
-          <a:effectRef idx="1">
-            <a:schemeClr val="accent1"/>
-          </a:effectRef>
-          <a:fontRef idx="minor">
-            <a:schemeClr val="dk1"/>
-          </a:fontRef>
-        </p:style>
-        <p:txBody>
-          <a:bodyPr rtlCol="0" anchor="ctr"/>
-          <a:lstStyle/>
-          <a:p>
-            <a:pPr algn="ctr"/>
-            <a:endParaRPr lang="en-US"/>
-          </a:p>
-        </p:txBody>
-      </p:sp>
-      <p:cxnSp>
-        <p:nvCxnSpPr>
-          <p:cNvPr id="76" name="Straight Connector 75"/>
-          <p:cNvCxnSpPr/>
-          <p:nvPr/>
-        </p:nvCxnSpPr>
-        <p:spPr>
-          <a:xfrm flipV="1">
-            <a:off x="10257173" y="1002386"/>
-            <a:ext cx="420758" cy="4294"/>
-          </a:xfrm>
-          <a:prstGeom prst="line">
-            <a:avLst/>
-          </a:prstGeom>
-          <a:ln w="19050"/>
-        </p:spPr>
-        <p:style>
-          <a:lnRef idx="1">
-            <a:schemeClr val="accent1"/>
-          </a:lnRef>
-          <a:fillRef idx="0">
-            <a:schemeClr val="accent1"/>
-          </a:fillRef>
-          <a:effectRef idx="0">
-            <a:schemeClr val="accent1"/>
-          </a:effectRef>
-          <a:fontRef idx="minor">
-            <a:schemeClr val="tx1"/>
-          </a:fontRef>
-        </p:style>
-      </p:cxnSp>
-      <p:cxnSp>
-        <p:nvCxnSpPr>
-          <p:cNvPr id="83" name="Straight Arrow Connector 82"/>
-          <p:cNvCxnSpPr>
-            <a:stCxn id="75" idx="2"/>
-            <a:endCxn id="74" idx="1"/>
-          </p:cNvCxnSpPr>
-          <p:nvPr/>
-        </p:nvCxnSpPr>
-        <p:spPr>
-          <a:xfrm flipV="1">
-            <a:off x="8942236" y="985779"/>
-            <a:ext cx="1076398" cy="40447"/>
-          </a:xfrm>
-          <a:prstGeom prst="straightConnector1">
-            <a:avLst/>
-          </a:prstGeom>
-          <a:ln w="22225">
-            <a:solidFill>
-              <a:schemeClr val="tx2"/>
-            </a:solidFill>
-            <a:prstDash val="sysDash"/>
-            <a:tailEnd type="triangle"/>
-          </a:ln>
-        </p:spPr>
-        <p:style>
-          <a:lnRef idx="1">
-            <a:schemeClr val="accent1"/>
-          </a:lnRef>
-          <a:fillRef idx="0">
-            <a:schemeClr val="accent1"/>
-          </a:fillRef>
-          <a:effectRef idx="0">
-            <a:schemeClr val="accent1"/>
-          </a:effectRef>
-          <a:fontRef idx="minor">
-            <a:schemeClr val="tx1"/>
-          </a:fontRef>
-        </p:style>
-      </p:cxnSp>
-      <p:sp>
-        <p:nvSpPr>
-          <p:cNvPr id="86" name="TextBox 85"/>
-          <p:cNvSpPr txBox="1"/>
-          <p:nvPr/>
-        </p:nvSpPr>
-        <p:spPr>
-          <a:xfrm>
-            <a:off x="8758958" y="289456"/>
-            <a:ext cx="749116" cy="461665"/>
-          </a:xfrm>
-          <a:prstGeom prst="rect">
-            <a:avLst/>
-          </a:prstGeom>
-          <a:noFill/>
-        </p:spPr>
-        <p:txBody>
-          <a:bodyPr wrap="none" rtlCol="0">
-            <a:spAutoFit/>
-          </a:bodyPr>
-          <a:lstStyle/>
-          <a:p>
-            <a:pPr algn="ctr"/>
-            <a:r>
-              <a:rPr lang="en-US" sz="1200" dirty="0" smtClean="0"/>
-              <a:t>HTTP/2 </a:t>
-            </a:r>
-          </a:p>
-          <a:p>
-            <a:pPr algn="ctr"/>
-            <a:r>
-              <a:rPr lang="en-US" sz="1200" dirty="0" smtClean="0"/>
-              <a:t>endpoint</a:t>
-            </a:r>
-            <a:endParaRPr lang="en-US" sz="1200" dirty="0"/>
-          </a:p>
-        </p:txBody>
-      </p:sp>
       <p:sp>
         <p:nvSpPr>
           <p:cNvPr id="91" name="Rectangle 90"/>
@@ -8785,7 +8639,7 @@
         </p:nvSpPr>
         <p:spPr>
           <a:xfrm rot="16200000">
-            <a:off x="11198065" y="1472524"/>
+            <a:off x="11209940" y="1472524"/>
             <a:ext cx="198782" cy="364435"/>
           </a:xfrm>
           <a:prstGeom prst="rightBracket">
@@ -8877,8 +8731,8 @@
         </p:nvCxnSpPr>
         <p:spPr>
           <a:xfrm>
-            <a:off x="11297457" y="1555351"/>
-            <a:ext cx="16577" cy="564060"/>
+            <a:off x="11309332" y="1555351"/>
+            <a:ext cx="4702" cy="564060"/>
           </a:xfrm>
           <a:prstGeom prst="straightConnector1">
             <a:avLst/>
@@ -8978,6 +8832,119 @@
           </a:p>
         </p:txBody>
       </p:sp>
+      <p:cxnSp>
+        <p:nvCxnSpPr>
+          <p:cNvPr id="87" name="Straight Connector 86"/>
+          <p:cNvCxnSpPr/>
+          <p:nvPr/>
+        </p:nvCxnSpPr>
+        <p:spPr>
+          <a:xfrm flipH="1">
+            <a:off x="10385456" y="1205325"/>
+            <a:ext cx="288622" cy="417424"/>
+          </a:xfrm>
+          <a:prstGeom prst="line">
+            <a:avLst/>
+          </a:prstGeom>
+          <a:ln w="19050"/>
+        </p:spPr>
+        <p:style>
+          <a:lnRef idx="1">
+            <a:schemeClr val="accent1"/>
+          </a:lnRef>
+          <a:fillRef idx="0">
+            <a:schemeClr val="accent1"/>
+          </a:fillRef>
+          <a:effectRef idx="0">
+            <a:schemeClr val="accent1"/>
+          </a:effectRef>
+          <a:fontRef idx="minor">
+            <a:schemeClr val="tx1"/>
+          </a:fontRef>
+        </p:style>
+      </p:cxnSp>
+      <p:sp>
+        <p:nvSpPr>
+          <p:cNvPr id="88" name="Block Arc 87"/>
+          <p:cNvSpPr/>
+          <p:nvPr/>
+        </p:nvSpPr>
+        <p:spPr>
+          <a:xfrm rot="1938365">
+            <a:off x="10079195" y="1530090"/>
+            <a:ext cx="434009" cy="318048"/>
+          </a:xfrm>
+          <a:prstGeom prst="blockArc">
+            <a:avLst/>
+          </a:prstGeom>
+        </p:spPr>
+        <p:style>
+          <a:lnRef idx="1">
+            <a:schemeClr val="accent1"/>
+          </a:lnRef>
+          <a:fillRef idx="2">
+            <a:schemeClr val="accent1"/>
+          </a:fillRef>
+          <a:effectRef idx="1">
+            <a:schemeClr val="accent1"/>
+          </a:effectRef>
+          <a:fontRef idx="minor">
+            <a:schemeClr val="dk1"/>
+          </a:fontRef>
+        </p:style>
+        <p:txBody>
+          <a:bodyPr rtlCol="0" anchor="ctr"/>
+          <a:lstStyle/>
+          <a:p>
+            <a:pPr algn="ctr"/>
+            <a:endParaRPr lang="en-US">
+              <a:solidFill>
+                <a:schemeClr val="tx1"/>
+              </a:solidFill>
+            </a:endParaRPr>
+          </a:p>
+        </p:txBody>
+      </p:sp>
+      <p:cxnSp>
+        <p:nvCxnSpPr>
+          <p:cNvPr id="89" name="Straight Arrow Connector 88"/>
+          <p:cNvCxnSpPr>
+            <a:stCxn id="88" idx="2"/>
+            <a:endCxn id="16" idx="6"/>
+          </p:cNvCxnSpPr>
+          <p:nvPr/>
+        </p:nvCxnSpPr>
+        <p:spPr>
+          <a:xfrm flipH="1">
+            <a:off x="5913782" y="1689114"/>
+            <a:ext cx="4382418" cy="1353939"/>
+          </a:xfrm>
+          <a:prstGeom prst="straightConnector1">
+            <a:avLst/>
+          </a:prstGeom>
+          <a:ln w="22225">
+            <a:solidFill>
+              <a:schemeClr val="tx2"/>
+            </a:solidFill>
+            <a:prstDash val="sysDash"/>
+            <a:tailEnd type="triangle"/>
+          </a:ln>
+        </p:spPr>
+        <p:style>
+          <a:lnRef idx="1">
+            <a:schemeClr val="accent1"/>
+          </a:lnRef>
+          <a:fillRef idx="0">
+            <a:schemeClr val="accent1"/>
+          </a:fillRef>
+          <a:effectRef idx="0">
+            <a:schemeClr val="accent1"/>
+          </a:effectRef>
+          <a:fontRef idx="minor">
+            <a:schemeClr val="tx1"/>
+          </a:fontRef>
+        </p:style>
+      </p:cxnSp>
     </p:spTree>
     <p:extLst>
       <p:ext uri="{BB962C8B-B14F-4D97-AF65-F5344CB8AC3E}">
